--- a/tutorials/klwp.pptx
+++ b/tutorials/klwp.pptx
@@ -18,6 +18,8 @@
     <p:sldId id="263" r:id="rId13"/>
     <p:sldId id="264" r:id="rId14"/>
     <p:sldId id="265" r:id="rId15"/>
+    <p:sldId id="266" r:id="rId16"/>
+    <p:sldId id="267" r:id="rId17"/>
   </p:sldIdLst>
   <p:sldSz cy="6858000" cx="12192000"/>
   <p:notesSz cx="6858000" cy="9144000"/>
@@ -266,7 +268,7 @@
       </p15:sldGuideLst>
     </p:ext>
     <p:ext uri="http://customooxmlschemas.google.com/">
-      <go:slidesCustomData xmlns:go="http://customooxmlschemas.google.com/" r:id="rId16" roundtripDataSignature="AMtx7mhyB1Egnkh7SCmGhLKDA0aSR4WucA=="/>
+      <go:slidesCustomData xmlns:go="http://customooxmlschemas.google.com/" r:id="rId18" roundtripDataSignature="AMtx7mg1tv4P3XocT4jYQJG4lknm6uJU3A=="/>
     </p:ext>
   </p:extLst>
 </p:presentation>
@@ -1544,7 +1546,7 @@
   <p:cSld>
     <p:spTree>
       <p:nvGrpSpPr>
-        <p:cNvPr id="263" name="Shape 263"/>
+        <p:cNvPr id="261" name="Shape 261"/>
         <p:cNvGrpSpPr/>
         <p:nvPr/>
       </p:nvGrpSpPr>
@@ -1558,7 +1560,7 @@
       </p:grpSpPr>
       <p:sp>
         <p:nvSpPr>
-          <p:cNvPr id="264" name="Google Shape;264;p10:notes"/>
+          <p:cNvPr id="262" name="Google Shape;262;p10:notes"/>
           <p:cNvSpPr txBox="1"/>
           <p:nvPr>
             <p:ph idx="1" type="body"/>
@@ -1597,7 +1599,205 @@
       </p:sp>
       <p:sp>
         <p:nvSpPr>
-          <p:cNvPr id="265" name="Google Shape;265;p10:notes"/>
+          <p:cNvPr id="263" name="Google Shape;263;p10:notes"/>
+          <p:cNvSpPr/>
+          <p:nvPr>
+            <p:ph idx="2" type="sldImg"/>
+          </p:nvPr>
+        </p:nvSpPr>
+        <p:spPr>
+          <a:xfrm>
+            <a:off x="685800" y="1143000"/>
+            <a:ext cx="5486400" cy="3086100"/>
+          </a:xfrm>
+          <a:custGeom>
+            <a:rect b="b" l="l" r="r" t="t"/>
+            <a:pathLst>
+              <a:path extrusionOk="0" h="120000" w="120000">
+                <a:moveTo>
+                  <a:pt x="0" y="0"/>
+                </a:moveTo>
+                <a:lnTo>
+                  <a:pt x="120000" y="0"/>
+                </a:lnTo>
+                <a:lnTo>
+                  <a:pt x="120000" y="120000"/>
+                </a:lnTo>
+                <a:lnTo>
+                  <a:pt x="0" y="120000"/>
+                </a:lnTo>
+                <a:close/>
+              </a:path>
+            </a:pathLst>
+          </a:custGeom>
+        </p:spPr>
+      </p:sp>
+    </p:spTree>
+  </p:cSld>
+  <p:clrMapOvr>
+    <a:masterClrMapping/>
+  </p:clrMapOvr>
+</p:notes>
+</file>
+
+<file path=ppt/notesSlides/notesSlide11.xml><?xml version="1.0" encoding="utf-8"?>
+<p:notes xmlns:a="http://schemas.openxmlformats.org/drawingml/2006/main" xmlns:r="http://schemas.openxmlformats.org/officeDocument/2006/relationships" xmlns:mc="http://schemas.openxmlformats.org/markup-compatibility/2006" xmlns:mv="urn:schemas-microsoft-com:mac:vml" xmlns:p="http://schemas.openxmlformats.org/presentationml/2006/main" xmlns:c="http://schemas.openxmlformats.org/drawingml/2006/chart" xmlns:dgm="http://schemas.openxmlformats.org/drawingml/2006/diagram" xmlns:o="urn:schemas-microsoft-com:office:office" xmlns:v="urn:schemas-microsoft-com:vml" xmlns:pvml="urn:schemas-microsoft-com:office:powerpoint" xmlns:com="http://schemas.openxmlformats.org/drawingml/2006/compatibility" xmlns:p14="http://schemas.microsoft.com/office/powerpoint/2010/main" xmlns:p15="http://schemas.microsoft.com/office/powerpoint/2012/main" xmlns:ahyp="http://schemas.microsoft.com/office/drawing/2018/hyperlinkcolor" showMasterPhAnim="0" showMasterSp="0">
+  <p:cSld>
+    <p:spTree>
+      <p:nvGrpSpPr>
+        <p:cNvPr id="268" name="Shape 268"/>
+        <p:cNvGrpSpPr/>
+        <p:nvPr/>
+      </p:nvGrpSpPr>
+      <p:grpSpPr>
+        <a:xfrm>
+          <a:off x="0" y="0"/>
+          <a:ext cx="0" cy="0"/>
+          <a:chOff x="0" y="0"/>
+          <a:chExt cx="0" cy="0"/>
+        </a:xfrm>
+      </p:grpSpPr>
+      <p:sp>
+        <p:nvSpPr>
+          <p:cNvPr id="269" name="Google Shape;269;g4f3dd96c3e299e86_0:notes"/>
+          <p:cNvSpPr txBox="1"/>
+          <p:nvPr>
+            <p:ph idx="1" type="body"/>
+          </p:nvPr>
+        </p:nvSpPr>
+        <p:spPr>
+          <a:xfrm>
+            <a:off x="685800" y="4400550"/>
+            <a:ext cx="5486400" cy="3600600"/>
+          </a:xfrm>
+          <a:prstGeom prst="rect">
+            <a:avLst/>
+          </a:prstGeom>
+        </p:spPr>
+        <p:txBody>
+          <a:bodyPr anchorCtr="0" anchor="t" bIns="45700" lIns="91425" spcFirstLastPara="1" rIns="91425" wrap="square" tIns="45700">
+            <a:noAutofit/>
+          </a:bodyPr>
+          <a:lstStyle/>
+          <a:p>
+            <a:pPr indent="0" lvl="0" marL="0" rtl="0" algn="l">
+              <a:spcBef>
+                <a:spcPts val="0"/>
+              </a:spcBef>
+              <a:spcAft>
+                <a:spcPts val="0"/>
+              </a:spcAft>
+              <a:buNone/>
+            </a:pPr>
+            <a:r>
+              <a:t/>
+            </a:r>
+            <a:endParaRPr/>
+          </a:p>
+        </p:txBody>
+      </p:sp>
+      <p:sp>
+        <p:nvSpPr>
+          <p:cNvPr id="270" name="Google Shape;270;g4f3dd96c3e299e86_0:notes"/>
+          <p:cNvSpPr/>
+          <p:nvPr>
+            <p:ph idx="2" type="sldImg"/>
+          </p:nvPr>
+        </p:nvSpPr>
+        <p:spPr>
+          <a:xfrm>
+            <a:off x="685800" y="1143000"/>
+            <a:ext cx="5486400" cy="3086100"/>
+          </a:xfrm>
+          <a:custGeom>
+            <a:rect b="b" l="l" r="r" t="t"/>
+            <a:pathLst>
+              <a:path extrusionOk="0" h="120000" w="120000">
+                <a:moveTo>
+                  <a:pt x="0" y="0"/>
+                </a:moveTo>
+                <a:lnTo>
+                  <a:pt x="120000" y="0"/>
+                </a:lnTo>
+                <a:lnTo>
+                  <a:pt x="120000" y="120000"/>
+                </a:lnTo>
+                <a:lnTo>
+                  <a:pt x="0" y="120000"/>
+                </a:lnTo>
+                <a:close/>
+              </a:path>
+            </a:pathLst>
+          </a:custGeom>
+        </p:spPr>
+      </p:sp>
+    </p:spTree>
+  </p:cSld>
+  <p:clrMapOvr>
+    <a:masterClrMapping/>
+  </p:clrMapOvr>
+</p:notes>
+</file>
+
+<file path=ppt/notesSlides/notesSlide12.xml><?xml version="1.0" encoding="utf-8"?>
+<p:notes xmlns:a="http://schemas.openxmlformats.org/drawingml/2006/main" xmlns:r="http://schemas.openxmlformats.org/officeDocument/2006/relationships" xmlns:mc="http://schemas.openxmlformats.org/markup-compatibility/2006" xmlns:mv="urn:schemas-microsoft-com:mac:vml" xmlns:p="http://schemas.openxmlformats.org/presentationml/2006/main" xmlns:c="http://schemas.openxmlformats.org/drawingml/2006/chart" xmlns:dgm="http://schemas.openxmlformats.org/drawingml/2006/diagram" xmlns:o="urn:schemas-microsoft-com:office:office" xmlns:v="urn:schemas-microsoft-com:vml" xmlns:pvml="urn:schemas-microsoft-com:office:powerpoint" xmlns:com="http://schemas.openxmlformats.org/drawingml/2006/compatibility" xmlns:p14="http://schemas.microsoft.com/office/powerpoint/2010/main" xmlns:p15="http://schemas.microsoft.com/office/powerpoint/2012/main" xmlns:ahyp="http://schemas.microsoft.com/office/drawing/2018/hyperlinkcolor" showMasterPhAnim="0" showMasterSp="0">
+  <p:cSld>
+    <p:spTree>
+      <p:nvGrpSpPr>
+        <p:cNvPr id="292" name="Shape 292"/>
+        <p:cNvGrpSpPr/>
+        <p:nvPr/>
+      </p:nvGrpSpPr>
+      <p:grpSpPr>
+        <a:xfrm>
+          <a:off x="0" y="0"/>
+          <a:ext cx="0" cy="0"/>
+          <a:chOff x="0" y="0"/>
+          <a:chExt cx="0" cy="0"/>
+        </a:xfrm>
+      </p:grpSpPr>
+      <p:sp>
+        <p:nvSpPr>
+          <p:cNvPr id="293" name="Google Shape;293;gb6ceca7496_0_5:notes"/>
+          <p:cNvSpPr txBox="1"/>
+          <p:nvPr>
+            <p:ph idx="1" type="body"/>
+          </p:nvPr>
+        </p:nvSpPr>
+        <p:spPr>
+          <a:xfrm>
+            <a:off x="685800" y="4400550"/>
+            <a:ext cx="5486400" cy="3600600"/>
+          </a:xfrm>
+          <a:prstGeom prst="rect">
+            <a:avLst/>
+          </a:prstGeom>
+        </p:spPr>
+        <p:txBody>
+          <a:bodyPr anchorCtr="0" anchor="t" bIns="45700" lIns="91425" spcFirstLastPara="1" rIns="91425" wrap="square" tIns="45700">
+            <a:noAutofit/>
+          </a:bodyPr>
+          <a:lstStyle/>
+          <a:p>
+            <a:pPr indent="0" lvl="0" marL="0" rtl="0" algn="l">
+              <a:spcBef>
+                <a:spcPts val="0"/>
+              </a:spcBef>
+              <a:spcAft>
+                <a:spcPts val="0"/>
+              </a:spcAft>
+              <a:buNone/>
+            </a:pPr>
+            <a:r>
+              <a:t/>
+            </a:r>
+            <a:endParaRPr/>
+          </a:p>
+        </p:txBody>
+      </p:sp>
+      <p:sp>
+        <p:nvSpPr>
+          <p:cNvPr id="294" name="Google Shape;294;gb6ceca7496_0_5:notes"/>
           <p:cNvSpPr/>
           <p:nvPr>
             <p:ph idx="2" type="sldImg"/>
@@ -1643,7 +1843,7 @@
   <p:cSld>
     <p:spTree>
       <p:nvGrpSpPr>
-        <p:cNvPr id="107" name="Shape 107"/>
+        <p:cNvPr id="105" name="Shape 105"/>
         <p:cNvGrpSpPr/>
         <p:nvPr/>
       </p:nvGrpSpPr>
@@ -1657,7 +1857,7 @@
       </p:grpSpPr>
       <p:sp>
         <p:nvSpPr>
-          <p:cNvPr id="108" name="Google Shape;108;p2:notes"/>
+          <p:cNvPr id="106" name="Google Shape;106;p2:notes"/>
           <p:cNvSpPr txBox="1"/>
           <p:nvPr>
             <p:ph idx="1" type="body"/>
@@ -1696,7 +1896,7 @@
       </p:sp>
       <p:sp>
         <p:nvSpPr>
-          <p:cNvPr id="109" name="Google Shape;109;p2:notes"/>
+          <p:cNvPr id="107" name="Google Shape;107;p2:notes"/>
           <p:cNvSpPr/>
           <p:nvPr>
             <p:ph idx="2" type="sldImg"/>
@@ -1742,7 +1942,7 @@
   <p:cSld>
     <p:spTree>
       <p:nvGrpSpPr>
-        <p:cNvPr id="124" name="Shape 124"/>
+        <p:cNvPr id="122" name="Shape 122"/>
         <p:cNvGrpSpPr/>
         <p:nvPr/>
       </p:nvGrpSpPr>
@@ -1756,7 +1956,7 @@
       </p:grpSpPr>
       <p:sp>
         <p:nvSpPr>
-          <p:cNvPr id="125" name="Google Shape;125;p3:notes"/>
+          <p:cNvPr id="123" name="Google Shape;123;p3:notes"/>
           <p:cNvSpPr txBox="1"/>
           <p:nvPr>
             <p:ph idx="1" type="body"/>
@@ -1795,7 +1995,7 @@
       </p:sp>
       <p:sp>
         <p:nvSpPr>
-          <p:cNvPr id="126" name="Google Shape;126;p3:notes"/>
+          <p:cNvPr id="124" name="Google Shape;124;p3:notes"/>
           <p:cNvSpPr/>
           <p:nvPr>
             <p:ph idx="2" type="sldImg"/>
@@ -1841,7 +2041,7 @@
   <p:cSld>
     <p:spTree>
       <p:nvGrpSpPr>
-        <p:cNvPr id="146" name="Shape 146"/>
+        <p:cNvPr id="144" name="Shape 144"/>
         <p:cNvGrpSpPr/>
         <p:nvPr/>
       </p:nvGrpSpPr>
@@ -1855,7 +2055,7 @@
       </p:grpSpPr>
       <p:sp>
         <p:nvSpPr>
-          <p:cNvPr id="147" name="Google Shape;147;p4:notes"/>
+          <p:cNvPr id="145" name="Google Shape;145;p4:notes"/>
           <p:cNvSpPr txBox="1"/>
           <p:nvPr>
             <p:ph idx="1" type="body"/>
@@ -1894,7 +2094,7 @@
       </p:sp>
       <p:sp>
         <p:nvSpPr>
-          <p:cNvPr id="148" name="Google Shape;148;p4:notes"/>
+          <p:cNvPr id="146" name="Google Shape;146;p4:notes"/>
           <p:cNvSpPr/>
           <p:nvPr>
             <p:ph idx="2" type="sldImg"/>
@@ -1940,7 +2140,7 @@
   <p:cSld>
     <p:spTree>
       <p:nvGrpSpPr>
-        <p:cNvPr id="166" name="Shape 166"/>
+        <p:cNvPr id="164" name="Shape 164"/>
         <p:cNvGrpSpPr/>
         <p:nvPr/>
       </p:nvGrpSpPr>
@@ -1954,7 +2154,7 @@
       </p:grpSpPr>
       <p:sp>
         <p:nvSpPr>
-          <p:cNvPr id="167" name="Google Shape;167;p5:notes"/>
+          <p:cNvPr id="165" name="Google Shape;165;p5:notes"/>
           <p:cNvSpPr txBox="1"/>
           <p:nvPr>
             <p:ph idx="1" type="body"/>
@@ -1993,7 +2193,7 @@
       </p:sp>
       <p:sp>
         <p:nvSpPr>
-          <p:cNvPr id="168" name="Google Shape;168;p5:notes"/>
+          <p:cNvPr id="166" name="Google Shape;166;p5:notes"/>
           <p:cNvSpPr/>
           <p:nvPr>
             <p:ph idx="2" type="sldImg"/>
@@ -2039,7 +2239,7 @@
   <p:cSld>
     <p:spTree>
       <p:nvGrpSpPr>
-        <p:cNvPr id="188" name="Shape 188"/>
+        <p:cNvPr id="186" name="Shape 186"/>
         <p:cNvGrpSpPr/>
         <p:nvPr/>
       </p:nvGrpSpPr>
@@ -2053,7 +2253,7 @@
       </p:grpSpPr>
       <p:sp>
         <p:nvSpPr>
-          <p:cNvPr id="189" name="Google Shape;189;p6:notes"/>
+          <p:cNvPr id="187" name="Google Shape;187;p6:notes"/>
           <p:cNvSpPr txBox="1"/>
           <p:nvPr>
             <p:ph idx="1" type="body"/>
@@ -2092,7 +2292,7 @@
       </p:sp>
       <p:sp>
         <p:nvSpPr>
-          <p:cNvPr id="190" name="Google Shape;190;p6:notes"/>
+          <p:cNvPr id="188" name="Google Shape;188;p6:notes"/>
           <p:cNvSpPr/>
           <p:nvPr>
             <p:ph idx="2" type="sldImg"/>
@@ -2138,7 +2338,7 @@
   <p:cSld>
     <p:spTree>
       <p:nvGrpSpPr>
-        <p:cNvPr id="212" name="Shape 212"/>
+        <p:cNvPr id="210" name="Shape 210"/>
         <p:cNvGrpSpPr/>
         <p:nvPr/>
       </p:nvGrpSpPr>
@@ -2152,7 +2352,7 @@
       </p:grpSpPr>
       <p:sp>
         <p:nvSpPr>
-          <p:cNvPr id="213" name="Google Shape;213;p7:notes"/>
+          <p:cNvPr id="211" name="Google Shape;211;p7:notes"/>
           <p:cNvSpPr txBox="1"/>
           <p:nvPr>
             <p:ph idx="1" type="body"/>
@@ -2191,7 +2391,7 @@
       </p:sp>
       <p:sp>
         <p:nvSpPr>
-          <p:cNvPr id="214" name="Google Shape;214;p7:notes"/>
+          <p:cNvPr id="212" name="Google Shape;212;p7:notes"/>
           <p:cNvSpPr/>
           <p:nvPr>
             <p:ph idx="2" type="sldImg"/>
@@ -2237,7 +2437,7 @@
   <p:cSld>
     <p:spTree>
       <p:nvGrpSpPr>
-        <p:cNvPr id="229" name="Shape 229"/>
+        <p:cNvPr id="227" name="Shape 227"/>
         <p:cNvGrpSpPr/>
         <p:nvPr/>
       </p:nvGrpSpPr>
@@ -2251,7 +2451,7 @@
       </p:grpSpPr>
       <p:sp>
         <p:nvSpPr>
-          <p:cNvPr id="230" name="Google Shape;230;p8:notes"/>
+          <p:cNvPr id="228" name="Google Shape;228;p8:notes"/>
           <p:cNvSpPr txBox="1"/>
           <p:nvPr>
             <p:ph idx="1" type="body"/>
@@ -2290,7 +2490,7 @@
       </p:sp>
       <p:sp>
         <p:nvSpPr>
-          <p:cNvPr id="231" name="Google Shape;231;p8:notes"/>
+          <p:cNvPr id="229" name="Google Shape;229;p8:notes"/>
           <p:cNvSpPr/>
           <p:nvPr>
             <p:ph idx="2" type="sldImg"/>
@@ -2336,7 +2536,7 @@
   <p:cSld>
     <p:spTree>
       <p:nvGrpSpPr>
-        <p:cNvPr id="246" name="Shape 246"/>
+        <p:cNvPr id="244" name="Shape 244"/>
         <p:cNvGrpSpPr/>
         <p:nvPr/>
       </p:nvGrpSpPr>
@@ -2350,7 +2550,7 @@
       </p:grpSpPr>
       <p:sp>
         <p:nvSpPr>
-          <p:cNvPr id="247" name="Google Shape;247;p9:notes"/>
+          <p:cNvPr id="245" name="Google Shape;245;p9:notes"/>
           <p:cNvSpPr txBox="1"/>
           <p:nvPr>
             <p:ph idx="1" type="body"/>
@@ -2389,7 +2589,7 @@
       </p:sp>
       <p:sp>
         <p:nvSpPr>
-          <p:cNvPr id="248" name="Google Shape;248;p9:notes"/>
+          <p:cNvPr id="246" name="Google Shape;246;p9:notes"/>
           <p:cNvSpPr/>
           <p:nvPr>
             <p:ph idx="2" type="sldImg"/>
@@ -15892,8 +16092,8 @@
         </p:nvSpPr>
         <p:spPr>
           <a:xfrm>
-            <a:off x="1524000" y="1122363"/>
-            <a:ext cx="9144000" cy="2387600"/>
+            <a:off x="1516313" y="2959842"/>
+            <a:ext cx="9144000" cy="963600"/>
           </a:xfrm>
           <a:prstGeom prst="rect">
             <a:avLst/>
@@ -15936,72 +16136,6 @@
       <p:sp>
         <p:nvSpPr>
           <p:cNvPr id="103" name="Google Shape;103;p1"/>
-          <p:cNvSpPr txBox="1"/>
-          <p:nvPr>
-            <p:ph idx="1" type="subTitle"/>
-          </p:nvPr>
-        </p:nvSpPr>
-        <p:spPr>
-          <a:xfrm>
-            <a:off x="1524000" y="3602050"/>
-            <a:ext cx="9144000" cy="365100"/>
-          </a:xfrm>
-          <a:prstGeom prst="rect">
-            <a:avLst/>
-          </a:prstGeom>
-          <a:noFill/>
-          <a:ln>
-            <a:noFill/>
-          </a:ln>
-        </p:spPr>
-        <p:txBody>
-          <a:bodyPr anchorCtr="0" anchor="t" bIns="45700" lIns="91425" spcFirstLastPara="1" rIns="91425" wrap="square" tIns="45700">
-            <a:noAutofit/>
-          </a:bodyPr>
-          <a:lstStyle/>
-          <a:p>
-            <a:pPr indent="0" lvl="0" marL="0" rtl="0" algn="ctr">
-              <a:lnSpc>
-                <a:spcPct val="90000"/>
-              </a:lnSpc>
-              <a:spcBef>
-                <a:spcPts val="0"/>
-              </a:spcBef>
-              <a:spcAft>
-                <a:spcPts val="0"/>
-              </a:spcAft>
-              <a:buClr>
-                <a:srgbClr val="595959"/>
-              </a:buClr>
-              <a:buSzPts val="2000"/>
-              <a:buNone/>
-            </a:pPr>
-            <a:r>
-              <a:rPr lang="zh-CN" sz="2000" u="sng">
-                <a:solidFill>
-                  <a:srgbClr val="595959"/>
-                </a:solidFill>
-                <a:latin typeface="Microsoft Yahei"/>
-                <a:ea typeface="Microsoft Yahei"/>
-                <a:cs typeface="Microsoft Yahei"/>
-                <a:sym typeface="Microsoft Yahei"/>
-                <a:hlinkClick r:id="rId3">
-                  <a:extLst>
-                    <a:ext uri="{A12FA001-AC4F-418D-AE19-62706E023703}">
-                      <ahyp:hlinkClr val="tx"/>
-                    </a:ext>
-                  </a:extLst>
-                </a:hlinkClick>
-              </a:rPr>
-              <a:t>加入主题交流群</a:t>
-            </a:r>
-            <a:endParaRPr/>
-          </a:p>
-        </p:txBody>
-      </p:sp>
-      <p:sp>
-        <p:nvSpPr>
-          <p:cNvPr id="104" name="Google Shape;104;p1"/>
           <p:cNvSpPr txBox="1"/>
           <p:nvPr>
             <p:ph idx="10" type="dt"/>
@@ -16053,7 +16187,7 @@
       </p:sp>
       <p:sp>
         <p:nvSpPr>
-          <p:cNvPr id="105" name="Google Shape;105;p1"/>
+          <p:cNvPr id="104" name="Google Shape;104;p1"/>
           <p:cNvSpPr txBox="1"/>
           <p:nvPr>
             <p:ph idx="11" type="ftr"/>
@@ -16096,64 +16230,6 @@
               <a:t>BY 墨冉</a:t>
             </a:r>
             <a:endParaRPr/>
-          </a:p>
-        </p:txBody>
-      </p:sp>
-      <p:sp>
-        <p:nvSpPr>
-          <p:cNvPr id="106" name="Google Shape;106;p1"/>
-          <p:cNvSpPr txBox="1"/>
-          <p:nvPr/>
-        </p:nvSpPr>
-        <p:spPr>
-          <a:xfrm>
-            <a:off x="4427700" y="4168600"/>
-            <a:ext cx="3336600" cy="400200"/>
-          </a:xfrm>
-          <a:prstGeom prst="rect">
-            <a:avLst/>
-          </a:prstGeom>
-          <a:noFill/>
-          <a:ln>
-            <a:noFill/>
-          </a:ln>
-        </p:spPr>
-        <p:txBody>
-          <a:bodyPr anchorCtr="0" anchor="t" bIns="91425" lIns="91425" spcFirstLastPara="1" rIns="91425" wrap="square" tIns="91425">
-            <a:spAutoFit/>
-          </a:bodyPr>
-          <a:lstStyle/>
-          <a:p>
-            <a:pPr indent="0" lvl="0" marL="0" rtl="0" algn="ctr">
-              <a:spcBef>
-                <a:spcPts val="0"/>
-              </a:spcBef>
-              <a:spcAft>
-                <a:spcPts val="0"/>
-              </a:spcAft>
-              <a:buNone/>
-            </a:pPr>
-            <a:r>
-              <a:rPr lang="zh-CN">
-                <a:solidFill>
-                  <a:srgbClr val="7F7F7F"/>
-                </a:solidFill>
-                <a:latin typeface="Calibri"/>
-                <a:ea typeface="Calibri"/>
-                <a:cs typeface="Calibri"/>
-                <a:sym typeface="Calibri"/>
-              </a:rPr>
-              <a:t>链接需要演示才能点击</a:t>
-            </a:r>
-            <a:endParaRPr>
-              <a:solidFill>
-                <a:srgbClr val="7F7F7F"/>
-              </a:solidFill>
-              <a:latin typeface="Calibri"/>
-              <a:ea typeface="Calibri"/>
-              <a:cs typeface="Calibri"/>
-              <a:sym typeface="Calibri"/>
-            </a:endParaRPr>
           </a:p>
         </p:txBody>
       </p:sp>
@@ -16191,7 +16267,7 @@
     </p:bg>
     <p:spTree>
       <p:nvGrpSpPr>
-        <p:cNvPr id="266" name="Shape 266"/>
+        <p:cNvPr id="264" name="Shape 264"/>
         <p:cNvGrpSpPr/>
         <p:nvPr/>
       </p:nvGrpSpPr>
@@ -16205,7 +16281,7 @@
       </p:grpSpPr>
       <p:sp>
         <p:nvSpPr>
-          <p:cNvPr id="267" name="Google Shape;267;p10"/>
+          <p:cNvPr id="265" name="Google Shape;265;p10"/>
           <p:cNvSpPr/>
           <p:nvPr/>
         </p:nvSpPr>
@@ -16263,7 +16339,7 @@
       </p:sp>
       <p:pic>
         <p:nvPicPr>
-          <p:cNvPr id="268" name="Google Shape;268;p10"/>
+          <p:cNvPr id="266" name="Google Shape;266;p10"/>
           <p:cNvPicPr preferRelativeResize="0"/>
           <p:nvPr/>
         </p:nvPicPr>
@@ -16290,7 +16366,7 @@
       </p:pic>
       <p:sp>
         <p:nvSpPr>
-          <p:cNvPr id="269" name="Google Shape;269;p10"/>
+          <p:cNvPr id="267" name="Google Shape;267;p10"/>
           <p:cNvSpPr/>
           <p:nvPr/>
         </p:nvSpPr>
@@ -16354,12 +16430,2021 @@
 </p:sld>
 </file>
 
+<file path=ppt/slides/slide11.xml><?xml version="1.0" encoding="utf-8"?>
+<p:sld xmlns:a="http://schemas.openxmlformats.org/drawingml/2006/main" xmlns:r="http://schemas.openxmlformats.org/officeDocument/2006/relationships" xmlns:mc="http://schemas.openxmlformats.org/markup-compatibility/2006" xmlns:mv="urn:schemas-microsoft-com:mac:vml" xmlns:p="http://schemas.openxmlformats.org/presentationml/2006/main" xmlns:c="http://schemas.openxmlformats.org/drawingml/2006/chart" xmlns:dgm="http://schemas.openxmlformats.org/drawingml/2006/diagram" xmlns:o="urn:schemas-microsoft-com:office:office" xmlns:v="urn:schemas-microsoft-com:vml" xmlns:pvml="urn:schemas-microsoft-com:office:powerpoint" xmlns:com="http://schemas.openxmlformats.org/drawingml/2006/compatibility" xmlns:p14="http://schemas.microsoft.com/office/powerpoint/2010/main" xmlns:p15="http://schemas.microsoft.com/office/powerpoint/2012/main" xmlns:ahyp="http://schemas.microsoft.com/office/drawing/2018/hyperlinkcolor">
+  <p:cSld>
+    <p:spTree>
+      <p:nvGrpSpPr>
+        <p:cNvPr id="271" name="Shape 271"/>
+        <p:cNvGrpSpPr/>
+        <p:nvPr/>
+      </p:nvGrpSpPr>
+      <p:grpSpPr>
+        <a:xfrm>
+          <a:off x="0" y="0"/>
+          <a:ext cx="0" cy="0"/>
+          <a:chOff x="0" y="0"/>
+          <a:chExt cx="0" cy="0"/>
+        </a:xfrm>
+      </p:grpSpPr>
+      <p:cxnSp>
+        <p:nvCxnSpPr>
+          <p:cNvPr id="272" name="Google Shape;272;g4f3dd96c3e299e86_0"/>
+          <p:cNvCxnSpPr/>
+          <p:nvPr/>
+        </p:nvCxnSpPr>
+        <p:spPr>
+          <a:xfrm flipH="1">
+            <a:off x="3920150" y="476650"/>
+            <a:ext cx="2461200" cy="6303600"/>
+          </a:xfrm>
+          <a:prstGeom prst="straightConnector1">
+            <a:avLst/>
+          </a:prstGeom>
+          <a:noFill/>
+          <a:ln cap="flat" cmpd="sng" w="9525">
+            <a:solidFill>
+              <a:srgbClr val="7F7F7F"/>
+            </a:solidFill>
+            <a:prstDash val="lgDashDot"/>
+            <a:bevel/>
+            <a:headEnd len="med" w="med" type="none"/>
+            <a:tailEnd len="med" w="med" type="none"/>
+          </a:ln>
+        </p:spPr>
+      </p:cxnSp>
+      <p:sp>
+        <p:nvSpPr>
+          <p:cNvPr id="273" name="Google Shape;273;g4f3dd96c3e299e86_0"/>
+          <p:cNvSpPr/>
+          <p:nvPr/>
+        </p:nvSpPr>
+        <p:spPr>
+          <a:xfrm>
+            <a:off x="-19050" y="4362450"/>
+            <a:ext cx="5029200" cy="1390650"/>
+          </a:xfrm>
+          <a:custGeom>
+            <a:rect b="b" l="l" r="r" t="t"/>
+            <a:pathLst>
+              <a:path extrusionOk="0" h="1390650" w="5029200">
+                <a:moveTo>
+                  <a:pt x="0" y="0"/>
+                </a:moveTo>
+                <a:lnTo>
+                  <a:pt x="5029200" y="1390650"/>
+                </a:lnTo>
+                <a:lnTo>
+                  <a:pt x="0" y="819150"/>
+                </a:lnTo>
+                <a:lnTo>
+                  <a:pt x="0" y="0"/>
+                </a:lnTo>
+                <a:close/>
+              </a:path>
+            </a:pathLst>
+          </a:custGeom>
+          <a:solidFill>
+            <a:srgbClr val="FECE16"/>
+          </a:solidFill>
+          <a:ln>
+            <a:noFill/>
+          </a:ln>
+        </p:spPr>
+        <p:txBody>
+          <a:bodyPr anchorCtr="0" anchor="ctr" bIns="45700" lIns="91425" spcFirstLastPara="1" rIns="91425" wrap="square" tIns="45700">
+            <a:noAutofit/>
+          </a:bodyPr>
+          <a:lstStyle/>
+          <a:p>
+            <a:pPr indent="0" lvl="0" marL="0" marR="0" rtl="0" algn="l">
+              <a:spcBef>
+                <a:spcPts val="0"/>
+              </a:spcBef>
+              <a:spcAft>
+                <a:spcPts val="0"/>
+              </a:spcAft>
+              <a:buNone/>
+            </a:pPr>
+            <a:r>
+              <a:t/>
+            </a:r>
+            <a:endParaRPr sz="1800">
+              <a:solidFill>
+                <a:schemeClr val="dk1"/>
+              </a:solidFill>
+              <a:latin typeface="Arial"/>
+              <a:ea typeface="Arial"/>
+              <a:cs typeface="Arial"/>
+              <a:sym typeface="Arial"/>
+            </a:endParaRPr>
+          </a:p>
+        </p:txBody>
+      </p:sp>
+      <p:sp>
+        <p:nvSpPr>
+          <p:cNvPr id="274" name="Google Shape;274;g4f3dd96c3e299e86_0"/>
+          <p:cNvSpPr/>
+          <p:nvPr/>
+        </p:nvSpPr>
+        <p:spPr>
+          <a:xfrm rot="10800000">
+            <a:off x="0" y="-150"/>
+            <a:ext cx="12192000" cy="1886100"/>
+          </a:xfrm>
+          <a:prstGeom prst="rtTriangle">
+            <a:avLst/>
+          </a:prstGeom>
+          <a:solidFill>
+            <a:srgbClr val="FEDE64"/>
+          </a:solidFill>
+          <a:ln>
+            <a:noFill/>
+          </a:ln>
+        </p:spPr>
+        <p:txBody>
+          <a:bodyPr anchorCtr="0" anchor="ctr" bIns="45700" lIns="91425" spcFirstLastPara="1" rIns="91425" wrap="square" tIns="45700">
+            <a:noAutofit/>
+          </a:bodyPr>
+          <a:lstStyle/>
+          <a:p>
+            <a:pPr indent="0" lvl="0" marL="0" marR="0" rtl="0" algn="ctr">
+              <a:spcBef>
+                <a:spcPts val="0"/>
+              </a:spcBef>
+              <a:spcAft>
+                <a:spcPts val="0"/>
+              </a:spcAft>
+              <a:buNone/>
+            </a:pPr>
+            <a:r>
+              <a:t/>
+            </a:r>
+            <a:endParaRPr sz="1800">
+              <a:solidFill>
+                <a:srgbClr val="FFFFFF"/>
+              </a:solidFill>
+              <a:latin typeface="Arial"/>
+              <a:ea typeface="Arial"/>
+              <a:cs typeface="Arial"/>
+              <a:sym typeface="Arial"/>
+            </a:endParaRPr>
+          </a:p>
+        </p:txBody>
+      </p:sp>
+      <p:sp>
+        <p:nvSpPr>
+          <p:cNvPr id="275" name="Google Shape;275;g4f3dd96c3e299e86_0"/>
+          <p:cNvSpPr/>
+          <p:nvPr/>
+        </p:nvSpPr>
+        <p:spPr>
+          <a:xfrm>
+            <a:off x="0" y="4972050"/>
+            <a:ext cx="12192000" cy="1886100"/>
+          </a:xfrm>
+          <a:prstGeom prst="rtTriangle">
+            <a:avLst/>
+          </a:prstGeom>
+          <a:solidFill>
+            <a:srgbClr val="FEDE64"/>
+          </a:solidFill>
+          <a:ln>
+            <a:noFill/>
+          </a:ln>
+        </p:spPr>
+        <p:txBody>
+          <a:bodyPr anchorCtr="0" anchor="ctr" bIns="45700" lIns="91425" spcFirstLastPara="1" rIns="91425" wrap="square" tIns="45700">
+            <a:noAutofit/>
+          </a:bodyPr>
+          <a:lstStyle/>
+          <a:p>
+            <a:pPr indent="0" lvl="0" marL="0" marR="0" rtl="0" algn="ctr">
+              <a:spcBef>
+                <a:spcPts val="0"/>
+              </a:spcBef>
+              <a:spcAft>
+                <a:spcPts val="0"/>
+              </a:spcAft>
+              <a:buNone/>
+            </a:pPr>
+            <a:r>
+              <a:t/>
+            </a:r>
+            <a:endParaRPr sz="1800">
+              <a:solidFill>
+                <a:srgbClr val="FFFFFF"/>
+              </a:solidFill>
+              <a:latin typeface="Arial"/>
+              <a:ea typeface="Arial"/>
+              <a:cs typeface="Arial"/>
+              <a:sym typeface="Arial"/>
+            </a:endParaRPr>
+          </a:p>
+        </p:txBody>
+      </p:sp>
+      <p:sp>
+        <p:nvSpPr>
+          <p:cNvPr id="276" name="Google Shape;276;g4f3dd96c3e299e86_0"/>
+          <p:cNvSpPr/>
+          <p:nvPr/>
+        </p:nvSpPr>
+        <p:spPr>
+          <a:xfrm>
+            <a:off x="5665950" y="2562975"/>
+            <a:ext cx="676200" cy="708900"/>
+          </a:xfrm>
+          <a:prstGeom prst="rect">
+            <a:avLst/>
+          </a:prstGeom>
+          <a:noFill/>
+          <a:ln>
+            <a:noFill/>
+          </a:ln>
+        </p:spPr>
+        <p:txBody>
+          <a:bodyPr anchorCtr="0" anchor="t" bIns="45700" lIns="91425" spcFirstLastPara="1" rIns="91425" wrap="square" tIns="45700">
+            <a:noAutofit/>
+          </a:bodyPr>
+          <a:lstStyle/>
+          <a:p>
+            <a:pPr indent="0" lvl="0" marL="0" marR="0" rtl="0" algn="l">
+              <a:spcBef>
+                <a:spcPts val="0"/>
+              </a:spcBef>
+              <a:spcAft>
+                <a:spcPts val="0"/>
+              </a:spcAft>
+              <a:buNone/>
+            </a:pPr>
+            <a:r>
+              <a:rPr lang="zh-CN" sz="7200">
+                <a:solidFill>
+                  <a:srgbClr val="7F7F7F"/>
+                </a:solidFill>
+                <a:latin typeface="Arial"/>
+                <a:ea typeface="Arial"/>
+                <a:cs typeface="Arial"/>
+                <a:sym typeface="Arial"/>
+              </a:rPr>
+              <a:t>“</a:t>
+            </a:r>
+            <a:endParaRPr sz="7200">
+              <a:solidFill>
+                <a:srgbClr val="7F7F7F"/>
+              </a:solidFill>
+              <a:latin typeface="Meiryo"/>
+              <a:ea typeface="Meiryo"/>
+              <a:cs typeface="Meiryo"/>
+              <a:sym typeface="Meiryo"/>
+            </a:endParaRPr>
+          </a:p>
+        </p:txBody>
+      </p:sp>
+      <p:sp>
+        <p:nvSpPr>
+          <p:cNvPr id="277" name="Google Shape;277;g4f3dd96c3e299e86_0"/>
+          <p:cNvSpPr/>
+          <p:nvPr/>
+        </p:nvSpPr>
+        <p:spPr>
+          <a:xfrm>
+            <a:off x="11371350" y="5560650"/>
+            <a:ext cx="676200" cy="708900"/>
+          </a:xfrm>
+          <a:prstGeom prst="rect">
+            <a:avLst/>
+          </a:prstGeom>
+          <a:noFill/>
+          <a:ln>
+            <a:noFill/>
+          </a:ln>
+        </p:spPr>
+        <p:txBody>
+          <a:bodyPr anchorCtr="0" anchor="t" bIns="45700" lIns="91425" spcFirstLastPara="1" rIns="91425" wrap="square" tIns="45700">
+            <a:noAutofit/>
+          </a:bodyPr>
+          <a:lstStyle/>
+          <a:p>
+            <a:pPr indent="0" lvl="0" marL="0" marR="0" rtl="0" algn="l">
+              <a:spcBef>
+                <a:spcPts val="0"/>
+              </a:spcBef>
+              <a:spcAft>
+                <a:spcPts val="0"/>
+              </a:spcAft>
+              <a:buNone/>
+            </a:pPr>
+            <a:r>
+              <a:rPr lang="zh-CN" sz="7200">
+                <a:solidFill>
+                  <a:srgbClr val="7F7F7F"/>
+                </a:solidFill>
+                <a:latin typeface="Arial"/>
+                <a:ea typeface="Arial"/>
+                <a:cs typeface="Arial"/>
+                <a:sym typeface="Arial"/>
+              </a:rPr>
+              <a:t>”</a:t>
+            </a:r>
+            <a:endParaRPr sz="7200">
+              <a:solidFill>
+                <a:srgbClr val="7F7F7F"/>
+              </a:solidFill>
+              <a:latin typeface="Meiryo"/>
+              <a:ea typeface="Meiryo"/>
+              <a:cs typeface="Meiryo"/>
+              <a:sym typeface="Meiryo"/>
+            </a:endParaRPr>
+          </a:p>
+        </p:txBody>
+      </p:sp>
+      <p:sp>
+        <p:nvSpPr>
+          <p:cNvPr id="278" name="Google Shape;278;g4f3dd96c3e299e86_0"/>
+          <p:cNvSpPr/>
+          <p:nvPr/>
+        </p:nvSpPr>
+        <p:spPr>
+          <a:xfrm>
+            <a:off x="6591300" y="1731975"/>
+            <a:ext cx="4530900" cy="831000"/>
+          </a:xfrm>
+          <a:prstGeom prst="rect">
+            <a:avLst/>
+          </a:prstGeom>
+          <a:noFill/>
+          <a:ln>
+            <a:noFill/>
+          </a:ln>
+        </p:spPr>
+        <p:txBody>
+          <a:bodyPr anchorCtr="0" anchor="t" bIns="45700" lIns="91425" spcFirstLastPara="1" rIns="91425" wrap="square" tIns="45700">
+            <a:noAutofit/>
+          </a:bodyPr>
+          <a:lstStyle/>
+          <a:p>
+            <a:pPr indent="0" lvl="0" marL="0" marR="0" rtl="0" algn="l">
+              <a:spcBef>
+                <a:spcPts val="0"/>
+              </a:spcBef>
+              <a:spcAft>
+                <a:spcPts val="0"/>
+              </a:spcAft>
+              <a:buNone/>
+            </a:pPr>
+            <a:r>
+              <a:rPr b="1" lang="zh-CN" sz="4800">
+                <a:solidFill>
+                  <a:srgbClr val="7F6000"/>
+                </a:solidFill>
+              </a:rPr>
+              <a:t>天气</a:t>
+            </a:r>
+            <a:r>
+              <a:rPr b="1" lang="zh-CN" sz="4800">
+                <a:solidFill>
+                  <a:srgbClr val="7F6000"/>
+                </a:solidFill>
+              </a:rPr>
+              <a:t>城市修改</a:t>
+            </a:r>
+            <a:endParaRPr/>
+          </a:p>
+        </p:txBody>
+      </p:sp>
+      <p:sp>
+        <p:nvSpPr>
+          <p:cNvPr id="279" name="Google Shape;279;g4f3dd96c3e299e86_0"/>
+          <p:cNvSpPr/>
+          <p:nvPr/>
+        </p:nvSpPr>
+        <p:spPr>
+          <a:xfrm>
+            <a:off x="6342150" y="2780425"/>
+            <a:ext cx="5029200" cy="3216000"/>
+          </a:xfrm>
+          <a:prstGeom prst="rect">
+            <a:avLst/>
+          </a:prstGeom>
+          <a:noFill/>
+          <a:ln>
+            <a:noFill/>
+          </a:ln>
+        </p:spPr>
+        <p:txBody>
+          <a:bodyPr anchorCtr="0" anchor="t" bIns="45700" lIns="91425" spcFirstLastPara="1" rIns="91425" wrap="square" tIns="45700">
+            <a:noAutofit/>
+          </a:bodyPr>
+          <a:lstStyle/>
+          <a:p>
+            <a:pPr indent="0" lvl="0" marL="0" marR="0" rtl="0" algn="l">
+              <a:spcBef>
+                <a:spcPts val="0"/>
+              </a:spcBef>
+              <a:spcAft>
+                <a:spcPts val="0"/>
+              </a:spcAft>
+              <a:buNone/>
+            </a:pPr>
+            <a:r>
+              <a:rPr b="1" lang="zh-CN" sz="2000">
+                <a:solidFill>
+                  <a:srgbClr val="FFC104"/>
+                </a:solidFill>
+              </a:rPr>
+              <a:t>以下两种方法选一个</a:t>
+            </a:r>
+            <a:endParaRPr b="1" sz="2000">
+              <a:solidFill>
+                <a:srgbClr val="FFC104"/>
+              </a:solidFill>
+            </a:endParaRPr>
+          </a:p>
+          <a:p>
+            <a:pPr indent="0" lvl="0" marL="0" marR="0" rtl="0" algn="l">
+              <a:spcBef>
+                <a:spcPts val="0"/>
+              </a:spcBef>
+              <a:spcAft>
+                <a:spcPts val="0"/>
+              </a:spcAft>
+              <a:buNone/>
+            </a:pPr>
+            <a:r>
+              <a:rPr b="1" lang="zh-CN" sz="2000">
+                <a:solidFill>
+                  <a:srgbClr val="FFC104"/>
+                </a:solidFill>
+              </a:rPr>
+              <a:t>开关在KLWP的全局变量</a:t>
+            </a:r>
+            <a:endParaRPr b="1" sz="2000">
+              <a:solidFill>
+                <a:srgbClr val="FFC104"/>
+              </a:solidFill>
+            </a:endParaRPr>
+          </a:p>
+          <a:p>
+            <a:pPr indent="-355600" lvl="0" marL="457200" marR="0" rtl="0" algn="l">
+              <a:spcBef>
+                <a:spcPts val="0"/>
+              </a:spcBef>
+              <a:spcAft>
+                <a:spcPts val="0"/>
+              </a:spcAft>
+              <a:buClr>
+                <a:srgbClr val="FFC104"/>
+              </a:buClr>
+              <a:buSzPts val="2000"/>
+              <a:buAutoNum type="arabicPeriod"/>
+            </a:pPr>
+            <a:r>
+              <a:rPr b="1" lang="zh-CN" sz="2000">
+                <a:solidFill>
+                  <a:srgbClr val="FFC104"/>
+                </a:solidFill>
+              </a:rPr>
+              <a:t>天气API：</a:t>
+            </a:r>
+            <a:endParaRPr b="1" sz="2000">
+              <a:solidFill>
+                <a:srgbClr val="7F7F7F"/>
+              </a:solidFill>
+              <a:latin typeface="Arial"/>
+              <a:ea typeface="Arial"/>
+              <a:cs typeface="Arial"/>
+              <a:sym typeface="Arial"/>
+            </a:endParaRPr>
+          </a:p>
+          <a:p>
+            <a:pPr indent="-342900" lvl="1" marL="914400" marR="0" rtl="0" algn="l">
+              <a:spcBef>
+                <a:spcPts val="0"/>
+              </a:spcBef>
+              <a:spcAft>
+                <a:spcPts val="0"/>
+              </a:spcAft>
+              <a:buClr>
+                <a:srgbClr val="7F7F7F"/>
+              </a:buClr>
+              <a:buSzPts val="1800"/>
+              <a:buAutoNum type="alphaLcPeriod"/>
+            </a:pPr>
+            <a:r>
+              <a:rPr b="1" lang="zh-CN" sz="1800">
+                <a:solidFill>
+                  <a:srgbClr val="7F7F7F"/>
+                </a:solidFill>
+              </a:rPr>
+              <a:t>在百度查找你所在的城市ID</a:t>
+            </a:r>
+            <a:endParaRPr b="1" sz="1800">
+              <a:solidFill>
+                <a:srgbClr val="7F7F7F"/>
+              </a:solidFill>
+            </a:endParaRPr>
+          </a:p>
+          <a:p>
+            <a:pPr indent="-342900" lvl="1" marL="914400" marR="0" rtl="0" algn="l">
+              <a:spcBef>
+                <a:spcPts val="0"/>
+              </a:spcBef>
+              <a:spcAft>
+                <a:spcPts val="0"/>
+              </a:spcAft>
+              <a:buClr>
+                <a:srgbClr val="7F7F7F"/>
+              </a:buClr>
+              <a:buSzPts val="1800"/>
+              <a:buAutoNum type="alphaLcPeriod"/>
+            </a:pPr>
+            <a:r>
+              <a:rPr b="1" lang="zh-CN" sz="1800">
+                <a:solidFill>
+                  <a:srgbClr val="7F7F7F"/>
+                </a:solidFill>
+              </a:rPr>
+              <a:t>复制城市ID到全局变量的城市ID里</a:t>
+            </a:r>
+            <a:endParaRPr b="1" sz="1800">
+              <a:solidFill>
+                <a:srgbClr val="7F7F7F"/>
+              </a:solidFill>
+            </a:endParaRPr>
+          </a:p>
+          <a:p>
+            <a:pPr indent="-355600" lvl="0" marL="457200" marR="0" rtl="0" algn="l">
+              <a:spcBef>
+                <a:spcPts val="0"/>
+              </a:spcBef>
+              <a:spcAft>
+                <a:spcPts val="0"/>
+              </a:spcAft>
+              <a:buClr>
+                <a:srgbClr val="FFC000"/>
+              </a:buClr>
+              <a:buSzPts val="2000"/>
+              <a:buAutoNum type="arabicPeriod"/>
+            </a:pPr>
+            <a:r>
+              <a:rPr b="1" lang="zh-CN" sz="2000">
+                <a:solidFill>
+                  <a:srgbClr val="FFC000"/>
+                </a:solidFill>
+              </a:rPr>
+              <a:t>KLWP天气城市定位：</a:t>
+            </a:r>
+            <a:endParaRPr b="1" sz="2000">
+              <a:solidFill>
+                <a:srgbClr val="FFC000"/>
+              </a:solidFill>
+            </a:endParaRPr>
+          </a:p>
+          <a:p>
+            <a:pPr indent="-342900" lvl="1" marL="914400" rtl="0" algn="l">
+              <a:spcBef>
+                <a:spcPts val="0"/>
+              </a:spcBef>
+              <a:spcAft>
+                <a:spcPts val="0"/>
+              </a:spcAft>
+              <a:buClr>
+                <a:srgbClr val="7F7F7F"/>
+              </a:buClr>
+              <a:buSzPts val="1800"/>
+              <a:buAutoNum type="alphaLcPeriod"/>
+            </a:pPr>
+            <a:r>
+              <a:rPr b="1" lang="zh-CN" sz="1800">
+                <a:solidFill>
+                  <a:srgbClr val="7F7F7F"/>
+                </a:solidFill>
+              </a:rPr>
+              <a:t>打开GPS定位</a:t>
+            </a:r>
+            <a:endParaRPr b="1" sz="1800">
+              <a:solidFill>
+                <a:srgbClr val="7F7F7F"/>
+              </a:solidFill>
+            </a:endParaRPr>
+          </a:p>
+          <a:p>
+            <a:pPr indent="-342900" lvl="1" marL="914400" rtl="0" algn="l">
+              <a:spcBef>
+                <a:spcPts val="0"/>
+              </a:spcBef>
+              <a:spcAft>
+                <a:spcPts val="0"/>
+              </a:spcAft>
+              <a:buClr>
+                <a:srgbClr val="7F7F7F"/>
+              </a:buClr>
+              <a:buSzPts val="1800"/>
+              <a:buAutoNum type="alphaLcPeriod"/>
+            </a:pPr>
+            <a:r>
+              <a:rPr b="1" lang="zh-CN" sz="1800">
+                <a:solidFill>
+                  <a:srgbClr val="7F7F7F"/>
+                </a:solidFill>
+              </a:rPr>
+              <a:t>KLWP设置打开【位置】</a:t>
+            </a:r>
+            <a:endParaRPr b="1" sz="1800">
+              <a:solidFill>
+                <a:srgbClr val="7F7F7F"/>
+              </a:solidFill>
+            </a:endParaRPr>
+          </a:p>
+          <a:p>
+            <a:pPr indent="-342900" lvl="1" marL="914400" rtl="0" algn="l">
+              <a:spcBef>
+                <a:spcPts val="0"/>
+              </a:spcBef>
+              <a:spcAft>
+                <a:spcPts val="0"/>
+              </a:spcAft>
+              <a:buClr>
+                <a:srgbClr val="7F7F7F"/>
+              </a:buClr>
+              <a:buSzPts val="1800"/>
+              <a:buAutoNum type="alphaLcPeriod"/>
+            </a:pPr>
+            <a:r>
+              <a:rPr b="1" lang="zh-CN" sz="1800">
+                <a:solidFill>
+                  <a:srgbClr val="7F7F7F"/>
+                </a:solidFill>
+              </a:rPr>
+              <a:t>打开【首要位置】,自动定位或者搜索,格式为【中国,北京】</a:t>
+            </a:r>
+            <a:endParaRPr b="1" sz="1800">
+              <a:solidFill>
+                <a:srgbClr val="7F7F7F"/>
+              </a:solidFill>
+            </a:endParaRPr>
+          </a:p>
+        </p:txBody>
+      </p:sp>
+      <p:sp>
+        <p:nvSpPr>
+          <p:cNvPr id="280" name="Google Shape;280;g4f3dd96c3e299e86_0"/>
+          <p:cNvSpPr/>
+          <p:nvPr/>
+        </p:nvSpPr>
+        <p:spPr>
+          <a:xfrm rot="-4289387">
+            <a:off x="10872373" y="1959771"/>
+            <a:ext cx="1011108" cy="970314"/>
+          </a:xfrm>
+          <a:prstGeom prst="triangle">
+            <a:avLst>
+              <a:gd fmla="val 50000" name="adj"/>
+            </a:avLst>
+          </a:prstGeom>
+          <a:gradFill>
+            <a:gsLst>
+              <a:gs pos="0">
+                <a:srgbClr val="FFC000"/>
+              </a:gs>
+              <a:gs pos="100000">
+                <a:srgbClr val="FEDE64"/>
+              </a:gs>
+            </a:gsLst>
+            <a:lin ang="10800025" scaled="0"/>
+          </a:gradFill>
+          <a:ln>
+            <a:noFill/>
+          </a:ln>
+        </p:spPr>
+        <p:txBody>
+          <a:bodyPr anchorCtr="0" anchor="ctr" bIns="45700" lIns="91425" spcFirstLastPara="1" rIns="91425" wrap="square" tIns="45700">
+            <a:noAutofit/>
+          </a:bodyPr>
+          <a:lstStyle/>
+          <a:p>
+            <a:pPr indent="0" lvl="0" marL="0" marR="0" rtl="0" algn="ctr">
+              <a:spcBef>
+                <a:spcPts val="0"/>
+              </a:spcBef>
+              <a:spcAft>
+                <a:spcPts val="0"/>
+              </a:spcAft>
+              <a:buNone/>
+            </a:pPr>
+            <a:r>
+              <a:t/>
+            </a:r>
+            <a:endParaRPr sz="1800">
+              <a:solidFill>
+                <a:srgbClr val="FFFFFF"/>
+              </a:solidFill>
+              <a:latin typeface="Arial"/>
+              <a:ea typeface="Arial"/>
+              <a:cs typeface="Arial"/>
+              <a:sym typeface="Arial"/>
+            </a:endParaRPr>
+          </a:p>
+        </p:txBody>
+      </p:sp>
+      <p:grpSp>
+        <p:nvGrpSpPr>
+          <p:cNvPr id="281" name="Google Shape;281;g4f3dd96c3e299e86_0"/>
+          <p:cNvGrpSpPr/>
+          <p:nvPr/>
+        </p:nvGrpSpPr>
+        <p:grpSpPr>
+          <a:xfrm rot="4800497">
+            <a:off x="4584999" y="-76648"/>
+            <a:ext cx="2589808" cy="2695856"/>
+            <a:chOff x="-250250" y="-236651"/>
+            <a:chExt cx="2589895" cy="2695946"/>
+          </a:xfrm>
+        </p:grpSpPr>
+        <p:sp>
+          <p:nvSpPr>
+            <p:cNvPr id="282" name="Google Shape;282;g4f3dd96c3e299e86_0"/>
+            <p:cNvSpPr/>
+            <p:nvPr/>
+          </p:nvSpPr>
+          <p:spPr>
+            <a:xfrm rot="6407828">
+              <a:off x="-41002" y="41094"/>
+              <a:ext cx="2018105" cy="1936009"/>
+            </a:xfrm>
+            <a:prstGeom prst="triangle">
+              <a:avLst>
+                <a:gd fmla="val 50000" name="adj"/>
+              </a:avLst>
+            </a:prstGeom>
+            <a:gradFill>
+              <a:gsLst>
+                <a:gs pos="0">
+                  <a:srgbClr val="FECE16"/>
+                </a:gs>
+                <a:gs pos="100000">
+                  <a:srgbClr val="FEDE64"/>
+                </a:gs>
+              </a:gsLst>
+              <a:lin ang="10800025" scaled="0"/>
+            </a:gradFill>
+            <a:ln>
+              <a:noFill/>
+            </a:ln>
+          </p:spPr>
+          <p:txBody>
+            <a:bodyPr anchorCtr="0" anchor="ctr" bIns="45700" lIns="91425" spcFirstLastPara="1" rIns="91425" wrap="square" tIns="45700">
+              <a:noAutofit/>
+            </a:bodyPr>
+            <a:lstStyle/>
+            <a:p>
+              <a:pPr indent="0" lvl="0" marL="0" marR="0" rtl="0" algn="ctr">
+                <a:spcBef>
+                  <a:spcPts val="0"/>
+                </a:spcBef>
+                <a:spcAft>
+                  <a:spcPts val="0"/>
+                </a:spcAft>
+                <a:buNone/>
+              </a:pPr>
+              <a:r>
+                <a:t/>
+              </a:r>
+              <a:endParaRPr sz="1800">
+                <a:solidFill>
+                  <a:srgbClr val="FFFFFF"/>
+                </a:solidFill>
+                <a:latin typeface="Arial"/>
+                <a:ea typeface="Arial"/>
+                <a:cs typeface="Arial"/>
+                <a:sym typeface="Arial"/>
+              </a:endParaRPr>
+            </a:p>
+          </p:txBody>
+        </p:sp>
+        <p:sp>
+          <p:nvSpPr>
+            <p:cNvPr id="283" name="Google Shape;283;g4f3dd96c3e299e86_0"/>
+            <p:cNvSpPr/>
+            <p:nvPr/>
+          </p:nvSpPr>
+          <p:spPr>
+            <a:xfrm rot="1290468">
+              <a:off x="429457" y="602512"/>
+              <a:ext cx="1674177" cy="1605766"/>
+            </a:xfrm>
+            <a:prstGeom prst="triangle">
+              <a:avLst>
+                <a:gd fmla="val 50000" name="adj"/>
+              </a:avLst>
+            </a:prstGeom>
+            <a:solidFill>
+              <a:srgbClr val="FEDE64">
+                <a:alpha val="49800"/>
+              </a:srgbClr>
+            </a:solidFill>
+            <a:ln>
+              <a:noFill/>
+            </a:ln>
+          </p:spPr>
+          <p:txBody>
+            <a:bodyPr anchorCtr="0" anchor="ctr" bIns="45700" lIns="91425" spcFirstLastPara="1" rIns="91425" wrap="square" tIns="45700">
+              <a:noAutofit/>
+            </a:bodyPr>
+            <a:lstStyle/>
+            <a:p>
+              <a:pPr indent="0" lvl="0" marL="0" marR="0" rtl="0" algn="ctr">
+                <a:spcBef>
+                  <a:spcPts val="0"/>
+                </a:spcBef>
+                <a:spcAft>
+                  <a:spcPts val="0"/>
+                </a:spcAft>
+                <a:buNone/>
+              </a:pPr>
+              <a:r>
+                <a:t/>
+              </a:r>
+              <a:endParaRPr sz="1800">
+                <a:solidFill>
+                  <a:srgbClr val="FFFFFF"/>
+                </a:solidFill>
+                <a:latin typeface="Arial"/>
+                <a:ea typeface="Arial"/>
+                <a:cs typeface="Arial"/>
+                <a:sym typeface="Arial"/>
+              </a:endParaRPr>
+            </a:p>
+          </p:txBody>
+        </p:sp>
+        <p:sp>
+          <p:nvSpPr>
+            <p:cNvPr id="284" name="Google Shape;284;g4f3dd96c3e299e86_0"/>
+            <p:cNvSpPr/>
+            <p:nvPr/>
+          </p:nvSpPr>
+          <p:spPr>
+            <a:xfrm rot="-2418079">
+              <a:off x="1266501" y="1756658"/>
+              <a:ext cx="341833" cy="277338"/>
+            </a:xfrm>
+            <a:prstGeom prst="triangle">
+              <a:avLst>
+                <a:gd fmla="val 50000" name="adj"/>
+              </a:avLst>
+            </a:prstGeom>
+            <a:solidFill>
+              <a:schemeClr val="lt1"/>
+            </a:solidFill>
+            <a:ln>
+              <a:noFill/>
+            </a:ln>
+          </p:spPr>
+          <p:txBody>
+            <a:bodyPr anchorCtr="0" anchor="ctr" bIns="45700" lIns="91425" spcFirstLastPara="1" rIns="91425" wrap="square" tIns="45700">
+              <a:noAutofit/>
+            </a:bodyPr>
+            <a:lstStyle/>
+            <a:p>
+              <a:pPr indent="0" lvl="0" marL="0" marR="0" rtl="0" algn="ctr">
+                <a:spcBef>
+                  <a:spcPts val="0"/>
+                </a:spcBef>
+                <a:spcAft>
+                  <a:spcPts val="0"/>
+                </a:spcAft>
+                <a:buNone/>
+              </a:pPr>
+              <a:r>
+                <a:t/>
+              </a:r>
+              <a:endParaRPr sz="1800">
+                <a:solidFill>
+                  <a:srgbClr val="FFFFFF"/>
+                </a:solidFill>
+                <a:latin typeface="Arial"/>
+                <a:ea typeface="Arial"/>
+                <a:cs typeface="Arial"/>
+                <a:sym typeface="Arial"/>
+              </a:endParaRPr>
+            </a:p>
+          </p:txBody>
+        </p:sp>
+      </p:grpSp>
+      <p:grpSp>
+        <p:nvGrpSpPr>
+          <p:cNvPr id="285" name="Google Shape;285;g4f3dd96c3e299e86_0"/>
+          <p:cNvGrpSpPr/>
+          <p:nvPr/>
+        </p:nvGrpSpPr>
+        <p:grpSpPr>
+          <a:xfrm>
+            <a:off x="4991100" y="476250"/>
+            <a:ext cx="4520852" cy="916017"/>
+            <a:chOff x="0" y="0"/>
+            <a:chExt cx="4521304" cy="916200"/>
+          </a:xfrm>
+        </p:grpSpPr>
+        <p:grpSp>
+          <p:nvGrpSpPr>
+            <p:cNvPr id="286" name="Google Shape;286;g4f3dd96c3e299e86_0"/>
+            <p:cNvGrpSpPr/>
+            <p:nvPr/>
+          </p:nvGrpSpPr>
+          <p:grpSpPr>
+            <a:xfrm>
+              <a:off x="0" y="0"/>
+              <a:ext cx="4521304" cy="916200"/>
+              <a:chOff x="0" y="0"/>
+              <a:chExt cx="4521304" cy="916200"/>
+            </a:xfrm>
+          </p:grpSpPr>
+          <p:sp>
+            <p:nvSpPr>
+              <p:cNvPr id="287" name="Google Shape;287;g4f3dd96c3e299e86_0"/>
+              <p:cNvSpPr/>
+              <p:nvPr/>
+            </p:nvSpPr>
+            <p:spPr>
+              <a:xfrm>
+                <a:off x="211914" y="93145"/>
+                <a:ext cx="3098700" cy="758100"/>
+              </a:xfrm>
+              <a:prstGeom prst="roundRect">
+                <a:avLst>
+                  <a:gd fmla="val 50000" name="adj"/>
+                </a:avLst>
+              </a:prstGeom>
+              <a:gradFill>
+                <a:gsLst>
+                  <a:gs pos="0">
+                    <a:srgbClr val="FFD966"/>
+                  </a:gs>
+                  <a:gs pos="81000">
+                    <a:srgbClr val="FFC000"/>
+                  </a:gs>
+                  <a:gs pos="100000">
+                    <a:srgbClr val="FFC000"/>
+                  </a:gs>
+                </a:gsLst>
+                <a:lin ang="10800025" scaled="0"/>
+              </a:gradFill>
+              <a:ln>
+                <a:noFill/>
+              </a:ln>
+            </p:spPr>
+            <p:txBody>
+              <a:bodyPr anchorCtr="0" anchor="ctr" bIns="45700" lIns="91425" spcFirstLastPara="1" rIns="91425" wrap="square" tIns="45700">
+                <a:noAutofit/>
+              </a:bodyPr>
+              <a:lstStyle/>
+              <a:p>
+                <a:pPr indent="0" lvl="0" marL="0" marR="0" rtl="0" algn="ctr">
+                  <a:spcBef>
+                    <a:spcPts val="0"/>
+                  </a:spcBef>
+                  <a:spcAft>
+                    <a:spcPts val="0"/>
+                  </a:spcAft>
+                  <a:buNone/>
+                </a:pPr>
+                <a:r>
+                  <a:t/>
+                </a:r>
+                <a:endParaRPr sz="1800">
+                  <a:solidFill>
+                    <a:srgbClr val="FFFFFF"/>
+                  </a:solidFill>
+                  <a:latin typeface="Arial"/>
+                  <a:ea typeface="Arial"/>
+                  <a:cs typeface="Arial"/>
+                  <a:sym typeface="Arial"/>
+                </a:endParaRPr>
+              </a:p>
+            </p:txBody>
+          </p:sp>
+          <p:sp>
+            <p:nvSpPr>
+              <p:cNvPr id="288" name="Google Shape;288;g4f3dd96c3e299e86_0"/>
+              <p:cNvSpPr/>
+              <p:nvPr/>
+            </p:nvSpPr>
+            <p:spPr>
+              <a:xfrm>
+                <a:off x="0" y="0"/>
+                <a:ext cx="916200" cy="916200"/>
+              </a:xfrm>
+              <a:prstGeom prst="ellipse">
+                <a:avLst/>
+              </a:prstGeom>
+              <a:solidFill>
+                <a:schemeClr val="lt1"/>
+              </a:solidFill>
+              <a:ln>
+                <a:noFill/>
+              </a:ln>
+            </p:spPr>
+            <p:txBody>
+              <a:bodyPr anchorCtr="0" anchor="ctr" bIns="45700" lIns="91425" spcFirstLastPara="1" rIns="91425" wrap="square" tIns="45700">
+                <a:noAutofit/>
+              </a:bodyPr>
+              <a:lstStyle/>
+              <a:p>
+                <a:pPr indent="0" lvl="0" marL="0" marR="0" rtl="0" algn="ctr">
+                  <a:spcBef>
+                    <a:spcPts val="0"/>
+                  </a:spcBef>
+                  <a:spcAft>
+                    <a:spcPts val="0"/>
+                  </a:spcAft>
+                  <a:buNone/>
+                </a:pPr>
+                <a:r>
+                  <a:t/>
+                </a:r>
+                <a:endParaRPr sz="1800">
+                  <a:solidFill>
+                    <a:srgbClr val="FFFFFF"/>
+                  </a:solidFill>
+                  <a:latin typeface="Arial"/>
+                  <a:ea typeface="Arial"/>
+                  <a:cs typeface="Arial"/>
+                  <a:sym typeface="Arial"/>
+                </a:endParaRPr>
+              </a:p>
+            </p:txBody>
+          </p:sp>
+          <p:sp>
+            <p:nvSpPr>
+              <p:cNvPr id="289" name="Google Shape;289;g4f3dd96c3e299e86_0"/>
+              <p:cNvSpPr/>
+              <p:nvPr/>
+            </p:nvSpPr>
+            <p:spPr>
+              <a:xfrm>
+                <a:off x="943504" y="160246"/>
+                <a:ext cx="3577800" cy="584700"/>
+              </a:xfrm>
+              <a:prstGeom prst="rect">
+                <a:avLst/>
+              </a:prstGeom>
+              <a:noFill/>
+              <a:ln>
+                <a:noFill/>
+              </a:ln>
+            </p:spPr>
+            <p:txBody>
+              <a:bodyPr anchorCtr="0" anchor="t" bIns="45700" lIns="91425" spcFirstLastPara="1" rIns="91425" wrap="square" tIns="45700">
+                <a:noAutofit/>
+              </a:bodyPr>
+              <a:lstStyle/>
+              <a:p>
+                <a:pPr indent="0" lvl="0" marL="0" marR="0" rtl="0" algn="l">
+                  <a:spcBef>
+                    <a:spcPts val="0"/>
+                  </a:spcBef>
+                  <a:spcAft>
+                    <a:spcPts val="0"/>
+                  </a:spcAft>
+                  <a:buNone/>
+                </a:pPr>
+                <a:r>
+                  <a:rPr b="1" lang="zh-CN" sz="3200">
+                    <a:solidFill>
+                      <a:schemeClr val="lt1"/>
+                    </a:solidFill>
+                  </a:rPr>
+                  <a:t>主题自定义</a:t>
+                </a:r>
+                <a:endParaRPr/>
+              </a:p>
+            </p:txBody>
+          </p:sp>
+        </p:grpSp>
+        <p:sp>
+          <p:nvSpPr>
+            <p:cNvPr id="290" name="Google Shape;290;g4f3dd96c3e299e86_0"/>
+            <p:cNvSpPr/>
+            <p:nvPr/>
+          </p:nvSpPr>
+          <p:spPr>
+            <a:xfrm>
+              <a:off x="218710" y="199866"/>
+              <a:ext cx="552000" cy="552000"/>
+            </a:xfrm>
+            <a:prstGeom prst="chevron">
+              <a:avLst>
+                <a:gd fmla="val 50000" name="adj"/>
+              </a:avLst>
+            </a:prstGeom>
+            <a:solidFill>
+              <a:srgbClr val="FEDE64"/>
+            </a:solidFill>
+            <a:ln>
+              <a:noFill/>
+            </a:ln>
+          </p:spPr>
+          <p:txBody>
+            <a:bodyPr anchorCtr="0" anchor="ctr" bIns="45700" lIns="91425" spcFirstLastPara="1" rIns="91425" wrap="square" tIns="45700">
+              <a:noAutofit/>
+            </a:bodyPr>
+            <a:lstStyle/>
+            <a:p>
+              <a:pPr indent="0" lvl="0" marL="0" marR="0" rtl="0" algn="ctr">
+                <a:spcBef>
+                  <a:spcPts val="0"/>
+                </a:spcBef>
+                <a:spcAft>
+                  <a:spcPts val="0"/>
+                </a:spcAft>
+                <a:buNone/>
+              </a:pPr>
+              <a:r>
+                <a:t/>
+              </a:r>
+              <a:endParaRPr sz="1800">
+                <a:solidFill>
+                  <a:schemeClr val="dk1"/>
+                </a:solidFill>
+                <a:latin typeface="Arial"/>
+                <a:ea typeface="Arial"/>
+                <a:cs typeface="Arial"/>
+                <a:sym typeface="Arial"/>
+              </a:endParaRPr>
+            </a:p>
+          </p:txBody>
+        </p:sp>
+      </p:grpSp>
+      <p:pic>
+        <p:nvPicPr>
+          <p:cNvPr id="291" name="Google Shape;291;g4f3dd96c3e299e86_0"/>
+          <p:cNvPicPr preferRelativeResize="0"/>
+          <p:nvPr/>
+        </p:nvPicPr>
+        <p:blipFill>
+          <a:blip r:embed="rId3">
+            <a:alphaModFix/>
+          </a:blip>
+          <a:stretch>
+            <a:fillRect/>
+          </a:stretch>
+        </p:blipFill>
+        <p:spPr>
+          <a:xfrm>
+            <a:off x="-1117759" y="0"/>
+            <a:ext cx="7226617" cy="6858000"/>
+          </a:xfrm>
+          <a:prstGeom prst="rect">
+            <a:avLst/>
+          </a:prstGeom>
+          <a:noFill/>
+          <a:ln>
+            <a:noFill/>
+          </a:ln>
+        </p:spPr>
+      </p:pic>
+    </p:spTree>
+  </p:cSld>
+  <p:clrMapOvr>
+    <a:masterClrMapping/>
+  </p:clrMapOvr>
+</p:sld>
+</file>
+
+<file path=ppt/slides/slide12.xml><?xml version="1.0" encoding="utf-8"?>
+<p:sld xmlns:a="http://schemas.openxmlformats.org/drawingml/2006/main" xmlns:r="http://schemas.openxmlformats.org/officeDocument/2006/relationships" xmlns:mc="http://schemas.openxmlformats.org/markup-compatibility/2006" xmlns:mv="urn:schemas-microsoft-com:mac:vml" xmlns:p="http://schemas.openxmlformats.org/presentationml/2006/main" xmlns:c="http://schemas.openxmlformats.org/drawingml/2006/chart" xmlns:dgm="http://schemas.openxmlformats.org/drawingml/2006/diagram" xmlns:o="urn:schemas-microsoft-com:office:office" xmlns:v="urn:schemas-microsoft-com:vml" xmlns:pvml="urn:schemas-microsoft-com:office:powerpoint" xmlns:com="http://schemas.openxmlformats.org/drawingml/2006/compatibility" xmlns:p14="http://schemas.microsoft.com/office/powerpoint/2010/main" xmlns:p15="http://schemas.microsoft.com/office/powerpoint/2012/main" xmlns:ahyp="http://schemas.microsoft.com/office/drawing/2018/hyperlinkcolor">
+  <p:cSld>
+    <p:spTree>
+      <p:nvGrpSpPr>
+        <p:cNvPr id="295" name="Shape 295"/>
+        <p:cNvGrpSpPr/>
+        <p:nvPr/>
+      </p:nvGrpSpPr>
+      <p:grpSpPr>
+        <a:xfrm>
+          <a:off x="0" y="0"/>
+          <a:ext cx="0" cy="0"/>
+          <a:chOff x="0" y="0"/>
+          <a:chExt cx="0" cy="0"/>
+        </a:xfrm>
+      </p:grpSpPr>
+      <p:sp>
+        <p:nvSpPr>
+          <p:cNvPr id="296" name="Google Shape;296;gb6ceca7496_0_5"/>
+          <p:cNvSpPr/>
+          <p:nvPr/>
+        </p:nvSpPr>
+        <p:spPr>
+          <a:xfrm rot="10800000">
+            <a:off x="0" y="-150"/>
+            <a:ext cx="12192000" cy="1886100"/>
+          </a:xfrm>
+          <a:prstGeom prst="rtTriangle">
+            <a:avLst/>
+          </a:prstGeom>
+          <a:solidFill>
+            <a:srgbClr val="FEDE64"/>
+          </a:solidFill>
+          <a:ln>
+            <a:noFill/>
+          </a:ln>
+        </p:spPr>
+        <p:txBody>
+          <a:bodyPr anchorCtr="0" anchor="ctr" bIns="45700" lIns="91425" spcFirstLastPara="1" rIns="91425" wrap="square" tIns="45700">
+            <a:noAutofit/>
+          </a:bodyPr>
+          <a:lstStyle/>
+          <a:p>
+            <a:pPr indent="0" lvl="0" marL="0" marR="0" rtl="0" algn="ctr">
+              <a:spcBef>
+                <a:spcPts val="0"/>
+              </a:spcBef>
+              <a:spcAft>
+                <a:spcPts val="0"/>
+              </a:spcAft>
+              <a:buNone/>
+            </a:pPr>
+            <a:r>
+              <a:t/>
+            </a:r>
+            <a:endParaRPr sz="1800">
+              <a:solidFill>
+                <a:srgbClr val="FFFFFF"/>
+              </a:solidFill>
+              <a:latin typeface="Arial"/>
+              <a:ea typeface="Arial"/>
+              <a:cs typeface="Arial"/>
+              <a:sym typeface="Arial"/>
+            </a:endParaRPr>
+          </a:p>
+        </p:txBody>
+      </p:sp>
+      <p:sp>
+        <p:nvSpPr>
+          <p:cNvPr id="297" name="Google Shape;297;gb6ceca7496_0_5"/>
+          <p:cNvSpPr/>
+          <p:nvPr/>
+        </p:nvSpPr>
+        <p:spPr>
+          <a:xfrm>
+            <a:off x="-19050" y="4362450"/>
+            <a:ext cx="5029200" cy="1390650"/>
+          </a:xfrm>
+          <a:custGeom>
+            <a:rect b="b" l="l" r="r" t="t"/>
+            <a:pathLst>
+              <a:path extrusionOk="0" h="1390650" w="5029200">
+                <a:moveTo>
+                  <a:pt x="0" y="0"/>
+                </a:moveTo>
+                <a:lnTo>
+                  <a:pt x="5029200" y="1390650"/>
+                </a:lnTo>
+                <a:lnTo>
+                  <a:pt x="0" y="819150"/>
+                </a:lnTo>
+                <a:lnTo>
+                  <a:pt x="0" y="0"/>
+                </a:lnTo>
+                <a:close/>
+              </a:path>
+            </a:pathLst>
+          </a:custGeom>
+          <a:solidFill>
+            <a:srgbClr val="FECE16"/>
+          </a:solidFill>
+          <a:ln>
+            <a:noFill/>
+          </a:ln>
+        </p:spPr>
+        <p:txBody>
+          <a:bodyPr anchorCtr="0" anchor="ctr" bIns="45700" lIns="91425" spcFirstLastPara="1" rIns="91425" wrap="square" tIns="45700">
+            <a:noAutofit/>
+          </a:bodyPr>
+          <a:lstStyle/>
+          <a:p>
+            <a:pPr indent="0" lvl="0" marL="0" marR="0" rtl="0" algn="l">
+              <a:spcBef>
+                <a:spcPts val="0"/>
+              </a:spcBef>
+              <a:spcAft>
+                <a:spcPts val="0"/>
+              </a:spcAft>
+              <a:buNone/>
+            </a:pPr>
+            <a:r>
+              <a:t/>
+            </a:r>
+            <a:endParaRPr sz="1800">
+              <a:solidFill>
+                <a:schemeClr val="dk1"/>
+              </a:solidFill>
+              <a:latin typeface="Arial"/>
+              <a:ea typeface="Arial"/>
+              <a:cs typeface="Arial"/>
+              <a:sym typeface="Arial"/>
+            </a:endParaRPr>
+          </a:p>
+        </p:txBody>
+      </p:sp>
+      <p:pic>
+        <p:nvPicPr>
+          <p:cNvPr id="298" name="Google Shape;298;gb6ceca7496_0_5"/>
+          <p:cNvPicPr preferRelativeResize="0"/>
+          <p:nvPr/>
+        </p:nvPicPr>
+        <p:blipFill>
+          <a:blip r:embed="rId3">
+            <a:alphaModFix/>
+          </a:blip>
+          <a:stretch>
+            <a:fillRect/>
+          </a:stretch>
+        </p:blipFill>
+        <p:spPr>
+          <a:xfrm>
+            <a:off x="5697648" y="581200"/>
+            <a:ext cx="6619201" cy="6276799"/>
+          </a:xfrm>
+          <a:prstGeom prst="rect">
+            <a:avLst/>
+          </a:prstGeom>
+          <a:noFill/>
+          <a:ln>
+            <a:noFill/>
+          </a:ln>
+        </p:spPr>
+      </p:pic>
+      <p:sp>
+        <p:nvSpPr>
+          <p:cNvPr id="299" name="Google Shape;299;gb6ceca7496_0_5"/>
+          <p:cNvSpPr/>
+          <p:nvPr/>
+        </p:nvSpPr>
+        <p:spPr>
+          <a:xfrm>
+            <a:off x="0" y="4972050"/>
+            <a:ext cx="12192000" cy="1886100"/>
+          </a:xfrm>
+          <a:prstGeom prst="rtTriangle">
+            <a:avLst/>
+          </a:prstGeom>
+          <a:solidFill>
+            <a:srgbClr val="FEDE64"/>
+          </a:solidFill>
+          <a:ln>
+            <a:noFill/>
+          </a:ln>
+        </p:spPr>
+        <p:txBody>
+          <a:bodyPr anchorCtr="0" anchor="ctr" bIns="45700" lIns="91425" spcFirstLastPara="1" rIns="91425" wrap="square" tIns="45700">
+            <a:noAutofit/>
+          </a:bodyPr>
+          <a:lstStyle/>
+          <a:p>
+            <a:pPr indent="0" lvl="0" marL="0" marR="0" rtl="0" algn="ctr">
+              <a:spcBef>
+                <a:spcPts val="0"/>
+              </a:spcBef>
+              <a:spcAft>
+                <a:spcPts val="0"/>
+              </a:spcAft>
+              <a:buNone/>
+            </a:pPr>
+            <a:r>
+              <a:t/>
+            </a:r>
+            <a:endParaRPr sz="1800">
+              <a:solidFill>
+                <a:srgbClr val="FFFFFF"/>
+              </a:solidFill>
+              <a:latin typeface="Arial"/>
+              <a:ea typeface="Arial"/>
+              <a:cs typeface="Arial"/>
+              <a:sym typeface="Arial"/>
+            </a:endParaRPr>
+          </a:p>
+        </p:txBody>
+      </p:sp>
+      <p:grpSp>
+        <p:nvGrpSpPr>
+          <p:cNvPr id="300" name="Google Shape;300;gb6ceca7496_0_5"/>
+          <p:cNvGrpSpPr/>
+          <p:nvPr/>
+        </p:nvGrpSpPr>
+        <p:grpSpPr>
+          <a:xfrm>
+            <a:off x="756750" y="1313300"/>
+            <a:ext cx="6340866" cy="4022965"/>
+            <a:chOff x="-1754" y="0"/>
+            <a:chExt cx="5769668" cy="3622987"/>
+          </a:xfrm>
+        </p:grpSpPr>
+        <p:sp>
+          <p:nvSpPr>
+            <p:cNvPr id="301" name="Google Shape;301;gb6ceca7496_0_5"/>
+            <p:cNvSpPr/>
+            <p:nvPr/>
+          </p:nvSpPr>
+          <p:spPr>
+            <a:xfrm>
+              <a:off x="-1754" y="806733"/>
+              <a:ext cx="676200" cy="589500"/>
+            </a:xfrm>
+            <a:prstGeom prst="rect">
+              <a:avLst/>
+            </a:prstGeom>
+            <a:noFill/>
+            <a:ln>
+              <a:noFill/>
+            </a:ln>
+          </p:spPr>
+          <p:txBody>
+            <a:bodyPr anchorCtr="0" anchor="t" bIns="45700" lIns="91425" spcFirstLastPara="1" rIns="91425" wrap="square" tIns="45700">
+              <a:noAutofit/>
+            </a:bodyPr>
+            <a:lstStyle/>
+            <a:p>
+              <a:pPr indent="0" lvl="0" marL="0" marR="0" rtl="0" algn="l">
+                <a:spcBef>
+                  <a:spcPts val="0"/>
+                </a:spcBef>
+                <a:spcAft>
+                  <a:spcPts val="0"/>
+                </a:spcAft>
+                <a:buNone/>
+              </a:pPr>
+              <a:r>
+                <a:rPr lang="zh-CN" sz="7200">
+                  <a:solidFill>
+                    <a:srgbClr val="7F7F7F"/>
+                  </a:solidFill>
+                  <a:latin typeface="Arial"/>
+                  <a:ea typeface="Arial"/>
+                  <a:cs typeface="Arial"/>
+                  <a:sym typeface="Arial"/>
+                </a:rPr>
+                <a:t>“</a:t>
+              </a:r>
+              <a:endParaRPr sz="7200">
+                <a:solidFill>
+                  <a:srgbClr val="7F7F7F"/>
+                </a:solidFill>
+                <a:latin typeface="Meiryo"/>
+                <a:ea typeface="Meiryo"/>
+                <a:cs typeface="Meiryo"/>
+                <a:sym typeface="Meiryo"/>
+              </a:endParaRPr>
+            </a:p>
+          </p:txBody>
+        </p:sp>
+        <p:sp>
+          <p:nvSpPr>
+            <p:cNvPr id="302" name="Google Shape;302;gb6ceca7496_0_5"/>
+            <p:cNvSpPr/>
+            <p:nvPr/>
+          </p:nvSpPr>
+          <p:spPr>
+            <a:xfrm>
+              <a:off x="5091715" y="2914987"/>
+              <a:ext cx="676200" cy="708000"/>
+            </a:xfrm>
+            <a:prstGeom prst="rect">
+              <a:avLst/>
+            </a:prstGeom>
+            <a:noFill/>
+            <a:ln>
+              <a:noFill/>
+            </a:ln>
+          </p:spPr>
+          <p:txBody>
+            <a:bodyPr anchorCtr="0" anchor="t" bIns="45700" lIns="91425" spcFirstLastPara="1" rIns="91425" wrap="square" tIns="45700">
+              <a:noAutofit/>
+            </a:bodyPr>
+            <a:lstStyle/>
+            <a:p>
+              <a:pPr indent="0" lvl="0" marL="0" marR="0" rtl="0" algn="l">
+                <a:spcBef>
+                  <a:spcPts val="0"/>
+                </a:spcBef>
+                <a:spcAft>
+                  <a:spcPts val="0"/>
+                </a:spcAft>
+                <a:buNone/>
+              </a:pPr>
+              <a:r>
+                <a:rPr lang="zh-CN" sz="7200">
+                  <a:solidFill>
+                    <a:srgbClr val="7F7F7F"/>
+                  </a:solidFill>
+                  <a:latin typeface="Arial"/>
+                  <a:ea typeface="Arial"/>
+                  <a:cs typeface="Arial"/>
+                  <a:sym typeface="Arial"/>
+                </a:rPr>
+                <a:t>”</a:t>
+              </a:r>
+              <a:endParaRPr sz="7200">
+                <a:solidFill>
+                  <a:srgbClr val="7F7F7F"/>
+                </a:solidFill>
+                <a:latin typeface="Meiryo"/>
+                <a:ea typeface="Meiryo"/>
+                <a:cs typeface="Meiryo"/>
+                <a:sym typeface="Meiryo"/>
+              </a:endParaRPr>
+            </a:p>
+          </p:txBody>
+        </p:sp>
+        <p:sp>
+          <p:nvSpPr>
+            <p:cNvPr id="303" name="Google Shape;303;gb6ceca7496_0_5"/>
+            <p:cNvSpPr/>
+            <p:nvPr/>
+          </p:nvSpPr>
+          <p:spPr>
+            <a:xfrm>
+              <a:off x="338136" y="0"/>
+              <a:ext cx="4544700" cy="830700"/>
+            </a:xfrm>
+            <a:prstGeom prst="rect">
+              <a:avLst/>
+            </a:prstGeom>
+            <a:noFill/>
+            <a:ln>
+              <a:noFill/>
+            </a:ln>
+          </p:spPr>
+          <p:txBody>
+            <a:bodyPr anchorCtr="0" anchor="t" bIns="45700" lIns="91425" spcFirstLastPara="1" rIns="91425" wrap="square" tIns="45700">
+              <a:noAutofit/>
+            </a:bodyPr>
+            <a:lstStyle/>
+            <a:p>
+              <a:pPr indent="0" lvl="0" marL="0" marR="0" rtl="0" algn="l">
+                <a:spcBef>
+                  <a:spcPts val="0"/>
+                </a:spcBef>
+                <a:spcAft>
+                  <a:spcPts val="0"/>
+                </a:spcAft>
+                <a:buNone/>
+              </a:pPr>
+              <a:r>
+                <a:rPr b="1" lang="zh-CN" sz="4800">
+                  <a:solidFill>
+                    <a:srgbClr val="7F6000"/>
+                  </a:solidFill>
+                </a:rPr>
+                <a:t>更改壁纸</a:t>
+              </a:r>
+              <a:endParaRPr/>
+            </a:p>
+          </p:txBody>
+        </p:sp>
+        <p:sp>
+          <p:nvSpPr>
+            <p:cNvPr id="304" name="Google Shape;304;gb6ceca7496_0_5"/>
+            <p:cNvSpPr/>
+            <p:nvPr/>
+          </p:nvSpPr>
+          <p:spPr>
+            <a:xfrm>
+              <a:off x="674520" y="1047437"/>
+              <a:ext cx="4662600" cy="1993800"/>
+            </a:xfrm>
+            <a:prstGeom prst="rect">
+              <a:avLst/>
+            </a:prstGeom>
+            <a:noFill/>
+            <a:ln>
+              <a:noFill/>
+            </a:ln>
+          </p:spPr>
+          <p:txBody>
+            <a:bodyPr anchorCtr="0" anchor="t" bIns="45700" lIns="91425" spcFirstLastPara="1" rIns="91425" wrap="square" tIns="45700">
+              <a:noAutofit/>
+            </a:bodyPr>
+            <a:lstStyle/>
+            <a:p>
+              <a:pPr indent="0" lvl="0" marL="0" marR="0" rtl="0" algn="l">
+                <a:spcBef>
+                  <a:spcPts val="0"/>
+                </a:spcBef>
+                <a:spcAft>
+                  <a:spcPts val="0"/>
+                </a:spcAft>
+                <a:buNone/>
+              </a:pPr>
+              <a:r>
+                <a:rPr b="1" lang="zh-CN" sz="2000">
+                  <a:solidFill>
+                    <a:srgbClr val="FFC104"/>
+                  </a:solidFill>
+                </a:rPr>
+                <a:t>打开KLWP的全局变量</a:t>
+              </a:r>
+              <a:endParaRPr b="1" sz="2000">
+                <a:solidFill>
+                  <a:srgbClr val="FFC104"/>
+                </a:solidFill>
+              </a:endParaRPr>
+            </a:p>
+            <a:p>
+              <a:pPr indent="-355600" lvl="0" marL="457200" marR="0" rtl="0" algn="l">
+                <a:spcBef>
+                  <a:spcPts val="0"/>
+                </a:spcBef>
+                <a:spcAft>
+                  <a:spcPts val="0"/>
+                </a:spcAft>
+                <a:buClr>
+                  <a:srgbClr val="FFC104"/>
+                </a:buClr>
+                <a:buSzPts val="2000"/>
+                <a:buAutoNum type="arabicPeriod"/>
+              </a:pPr>
+              <a:r>
+                <a:rPr b="1" lang="zh-CN" sz="2000">
+                  <a:solidFill>
+                    <a:srgbClr val="FFC104"/>
+                  </a:solidFill>
+                </a:rPr>
+                <a:t>会</a:t>
+              </a:r>
+              <a:r>
+                <a:rPr b="1" lang="zh-CN" sz="2000">
+                  <a:solidFill>
+                    <a:srgbClr val="FFC104"/>
+                  </a:solidFill>
+                </a:rPr>
+                <a:t>看到【p1,p2】的位图</a:t>
+              </a:r>
+              <a:endParaRPr b="1" sz="2000">
+                <a:solidFill>
+                  <a:srgbClr val="7F7F7F"/>
+                </a:solidFill>
+                <a:latin typeface="Arial"/>
+                <a:ea typeface="Arial"/>
+                <a:cs typeface="Arial"/>
+                <a:sym typeface="Arial"/>
+              </a:endParaRPr>
+            </a:p>
+            <a:p>
+              <a:pPr indent="-342900" lvl="1" marL="914400" marR="0" rtl="0" algn="l">
+                <a:spcBef>
+                  <a:spcPts val="0"/>
+                </a:spcBef>
+                <a:spcAft>
+                  <a:spcPts val="0"/>
+                </a:spcAft>
+                <a:buClr>
+                  <a:srgbClr val="7F7F7F"/>
+                </a:buClr>
+                <a:buSzPts val="1800"/>
+                <a:buAutoNum type="alphaLcPeriod"/>
+              </a:pPr>
+              <a:r>
+                <a:rPr b="1" lang="zh-CN" sz="1800">
+                  <a:solidFill>
+                    <a:srgbClr val="7F7F7F"/>
+                  </a:solidFill>
+                </a:rPr>
+                <a:t>点击【选择位图】</a:t>
+              </a:r>
+              <a:endParaRPr b="1" sz="1800">
+                <a:solidFill>
+                  <a:srgbClr val="7F7F7F"/>
+                </a:solidFill>
+                <a:latin typeface="Arial"/>
+                <a:ea typeface="Arial"/>
+                <a:cs typeface="Arial"/>
+                <a:sym typeface="Arial"/>
+              </a:endParaRPr>
+            </a:p>
+            <a:p>
+              <a:pPr indent="-342900" lvl="1" marL="914400" marR="0" rtl="0" algn="l">
+                <a:spcBef>
+                  <a:spcPts val="0"/>
+                </a:spcBef>
+                <a:spcAft>
+                  <a:spcPts val="0"/>
+                </a:spcAft>
+                <a:buClr>
+                  <a:srgbClr val="7F7F7F"/>
+                </a:buClr>
+                <a:buSzPts val="1800"/>
+                <a:buAutoNum type="alphaLcPeriod"/>
+              </a:pPr>
+              <a:r>
+                <a:rPr b="1" lang="zh-CN" sz="1800">
+                  <a:solidFill>
+                    <a:srgbClr val="7F7F7F"/>
+                  </a:solidFill>
+                </a:rPr>
+                <a:t>找到你喜欢的壁纸</a:t>
+              </a:r>
+              <a:endParaRPr b="1" sz="1800">
+                <a:solidFill>
+                  <a:srgbClr val="7F7F7F"/>
+                </a:solidFill>
+              </a:endParaRPr>
+            </a:p>
+            <a:p>
+              <a:pPr indent="-342900" lvl="1" marL="914400" marR="0" rtl="0" algn="l">
+                <a:spcBef>
+                  <a:spcPts val="0"/>
+                </a:spcBef>
+                <a:spcAft>
+                  <a:spcPts val="0"/>
+                </a:spcAft>
+                <a:buClr>
+                  <a:srgbClr val="7F7F7F"/>
+                </a:buClr>
+                <a:buSzPts val="1800"/>
+                <a:buAutoNum type="alphaLcPeriod"/>
+              </a:pPr>
+              <a:r>
+                <a:rPr b="1" lang="zh-CN" sz="1800">
+                  <a:solidFill>
+                    <a:srgbClr val="7F7F7F"/>
+                  </a:solidFill>
+                </a:rPr>
+                <a:t>保持即可</a:t>
+              </a:r>
+              <a:endParaRPr b="1" sz="1800">
+                <a:solidFill>
+                  <a:srgbClr val="7F7F7F"/>
+                </a:solidFill>
+              </a:endParaRPr>
+            </a:p>
+            <a:p>
+              <a:pPr indent="-355600" lvl="0" marL="457200" marR="0" rtl="0" algn="l">
+                <a:spcBef>
+                  <a:spcPts val="0"/>
+                </a:spcBef>
+                <a:spcAft>
+                  <a:spcPts val="0"/>
+                </a:spcAft>
+                <a:buClr>
+                  <a:srgbClr val="FFC000"/>
+                </a:buClr>
+                <a:buSzPts val="2000"/>
+                <a:buChar char="●"/>
+              </a:pPr>
+              <a:r>
+                <a:rPr b="1" lang="zh-CN" sz="2000">
+                  <a:solidFill>
+                    <a:srgbClr val="FFC000"/>
+                  </a:solidFill>
+                </a:rPr>
+                <a:t>注意</a:t>
+              </a:r>
+              <a:endParaRPr b="1" sz="1800">
+                <a:solidFill>
+                  <a:srgbClr val="7F7F7F"/>
+                </a:solidFill>
+                <a:latin typeface="Arial"/>
+                <a:ea typeface="Arial"/>
+                <a:cs typeface="Arial"/>
+                <a:sym typeface="Arial"/>
+              </a:endParaRPr>
+            </a:p>
+            <a:p>
+              <a:pPr indent="-342900" lvl="1" marL="914400" marR="0" rtl="0" algn="l">
+                <a:spcBef>
+                  <a:spcPts val="0"/>
+                </a:spcBef>
+                <a:spcAft>
+                  <a:spcPts val="0"/>
+                </a:spcAft>
+                <a:buClr>
+                  <a:srgbClr val="7F7F7F"/>
+                </a:buClr>
+                <a:buSzPts val="1800"/>
+                <a:buChar char="○"/>
+              </a:pPr>
+              <a:r>
+                <a:rPr b="1" lang="zh-CN" sz="1800">
+                  <a:solidFill>
+                    <a:srgbClr val="7F7F7F"/>
+                  </a:solidFill>
+                </a:rPr>
+                <a:t>壁纸不建议太大,否则会壁纸会变全白</a:t>
+              </a:r>
+              <a:endParaRPr b="1" sz="1800">
+                <a:solidFill>
+                  <a:srgbClr val="7F7F7F"/>
+                </a:solidFill>
+              </a:endParaRPr>
+            </a:p>
+            <a:p>
+              <a:pPr indent="0" lvl="0" marL="0" marR="0" rtl="0" algn="l">
+                <a:spcBef>
+                  <a:spcPts val="0"/>
+                </a:spcBef>
+                <a:spcAft>
+                  <a:spcPts val="0"/>
+                </a:spcAft>
+                <a:buNone/>
+              </a:pPr>
+              <a:r>
+                <a:t/>
+              </a:r>
+              <a:endParaRPr b="1" sz="1800">
+                <a:solidFill>
+                  <a:srgbClr val="FFC000"/>
+                </a:solidFill>
+                <a:latin typeface="Arial"/>
+                <a:ea typeface="Arial"/>
+                <a:cs typeface="Arial"/>
+                <a:sym typeface="Arial"/>
+              </a:endParaRPr>
+            </a:p>
+          </p:txBody>
+        </p:sp>
+      </p:grpSp>
+      <p:sp>
+        <p:nvSpPr>
+          <p:cNvPr id="305" name="Google Shape;305;gb6ceca7496_0_5"/>
+          <p:cNvSpPr/>
+          <p:nvPr/>
+        </p:nvSpPr>
+        <p:spPr>
+          <a:xfrm rot="-8562922">
+            <a:off x="4496471" y="1309852"/>
+            <a:ext cx="1011266" cy="968245"/>
+          </a:xfrm>
+          <a:prstGeom prst="triangle">
+            <a:avLst>
+              <a:gd fmla="val 50000" name="adj"/>
+            </a:avLst>
+          </a:prstGeom>
+          <a:gradFill>
+            <a:gsLst>
+              <a:gs pos="0">
+                <a:srgbClr val="FFC000"/>
+              </a:gs>
+              <a:gs pos="100000">
+                <a:srgbClr val="FEDE64"/>
+              </a:gs>
+            </a:gsLst>
+            <a:lin ang="10800025" scaled="0"/>
+          </a:gradFill>
+          <a:ln>
+            <a:noFill/>
+          </a:ln>
+        </p:spPr>
+        <p:txBody>
+          <a:bodyPr anchorCtr="0" anchor="ctr" bIns="45700" lIns="91425" spcFirstLastPara="1" rIns="91425" wrap="square" tIns="45700">
+            <a:noAutofit/>
+          </a:bodyPr>
+          <a:lstStyle/>
+          <a:p>
+            <a:pPr indent="0" lvl="0" marL="0" marR="0" rtl="0" algn="ctr">
+              <a:spcBef>
+                <a:spcPts val="0"/>
+              </a:spcBef>
+              <a:spcAft>
+                <a:spcPts val="0"/>
+              </a:spcAft>
+              <a:buNone/>
+            </a:pPr>
+            <a:r>
+              <a:t/>
+            </a:r>
+            <a:endParaRPr sz="1800">
+              <a:solidFill>
+                <a:srgbClr val="FFFFFF"/>
+              </a:solidFill>
+              <a:latin typeface="Arial"/>
+              <a:ea typeface="Arial"/>
+              <a:cs typeface="Arial"/>
+              <a:sym typeface="Arial"/>
+            </a:endParaRPr>
+          </a:p>
+        </p:txBody>
+      </p:sp>
+      <p:sp>
+        <p:nvSpPr>
+          <p:cNvPr id="306" name="Google Shape;306;gb6ceca7496_0_5"/>
+          <p:cNvSpPr/>
+          <p:nvPr/>
+        </p:nvSpPr>
+        <p:spPr>
+          <a:xfrm rot="4236832">
+            <a:off x="685790" y="933336"/>
+            <a:ext cx="742921" cy="641395"/>
+          </a:xfrm>
+          <a:prstGeom prst="triangle">
+            <a:avLst>
+              <a:gd fmla="val 50000" name="adj"/>
+            </a:avLst>
+          </a:prstGeom>
+          <a:solidFill>
+            <a:srgbClr val="FEDE64"/>
+          </a:solidFill>
+          <a:ln>
+            <a:noFill/>
+          </a:ln>
+        </p:spPr>
+        <p:txBody>
+          <a:bodyPr anchorCtr="0" anchor="ctr" bIns="45700" lIns="91425" spcFirstLastPara="1" rIns="91425" wrap="square" tIns="45700">
+            <a:noAutofit/>
+          </a:bodyPr>
+          <a:lstStyle/>
+          <a:p>
+            <a:pPr indent="0" lvl="0" marL="0" marR="0" rtl="0" algn="ctr">
+              <a:spcBef>
+                <a:spcPts val="0"/>
+              </a:spcBef>
+              <a:spcAft>
+                <a:spcPts val="0"/>
+              </a:spcAft>
+              <a:buNone/>
+            </a:pPr>
+            <a:r>
+              <a:t/>
+            </a:r>
+            <a:endParaRPr sz="1800">
+              <a:solidFill>
+                <a:srgbClr val="FFFFFF"/>
+              </a:solidFill>
+              <a:latin typeface="Arial"/>
+              <a:ea typeface="Arial"/>
+              <a:cs typeface="Arial"/>
+              <a:sym typeface="Arial"/>
+            </a:endParaRPr>
+          </a:p>
+        </p:txBody>
+      </p:sp>
+      <p:cxnSp>
+        <p:nvCxnSpPr>
+          <p:cNvPr id="307" name="Google Shape;307;gb6ceca7496_0_5"/>
+          <p:cNvCxnSpPr/>
+          <p:nvPr/>
+        </p:nvCxnSpPr>
+        <p:spPr>
+          <a:xfrm>
+            <a:off x="6164263" y="0"/>
+            <a:ext cx="6096000" cy="1886100"/>
+          </a:xfrm>
+          <a:prstGeom prst="straightConnector1">
+            <a:avLst/>
+          </a:prstGeom>
+          <a:noFill/>
+          <a:ln cap="flat" cmpd="sng" w="9525">
+            <a:solidFill>
+              <a:srgbClr val="7F7F7F"/>
+            </a:solidFill>
+            <a:prstDash val="lgDashDot"/>
+            <a:bevel/>
+            <a:headEnd len="med" w="med" type="none"/>
+            <a:tailEnd len="med" w="med" type="none"/>
+          </a:ln>
+        </p:spPr>
+      </p:cxnSp>
+      <p:cxnSp>
+        <p:nvCxnSpPr>
+          <p:cNvPr id="308" name="Google Shape;308;gb6ceca7496_0_5"/>
+          <p:cNvCxnSpPr/>
+          <p:nvPr/>
+        </p:nvCxnSpPr>
+        <p:spPr>
+          <a:xfrm>
+            <a:off x="0" y="4972050"/>
+            <a:ext cx="6096000" cy="1886100"/>
+          </a:xfrm>
+          <a:prstGeom prst="straightConnector1">
+            <a:avLst/>
+          </a:prstGeom>
+          <a:noFill/>
+          <a:ln cap="flat" cmpd="sng" w="9525">
+            <a:solidFill>
+              <a:srgbClr val="7F7F7F"/>
+            </a:solidFill>
+            <a:prstDash val="lgDashDot"/>
+            <a:bevel/>
+            <a:headEnd len="med" w="med" type="none"/>
+            <a:tailEnd len="med" w="med" type="none"/>
+          </a:ln>
+        </p:spPr>
+      </p:cxnSp>
+    </p:spTree>
+  </p:cSld>
+  <p:clrMapOvr>
+    <a:masterClrMapping/>
+  </p:clrMapOvr>
+</p:sld>
+</file>
+
 <file path=ppt/slides/slide2.xml><?xml version="1.0" encoding="utf-8"?>
 <p:sld xmlns:a="http://schemas.openxmlformats.org/drawingml/2006/main" xmlns:r="http://schemas.openxmlformats.org/officeDocument/2006/relationships" xmlns:mc="http://schemas.openxmlformats.org/markup-compatibility/2006" xmlns:mv="urn:schemas-microsoft-com:mac:vml" xmlns:p="http://schemas.openxmlformats.org/presentationml/2006/main" xmlns:c="http://schemas.openxmlformats.org/drawingml/2006/chart" xmlns:dgm="http://schemas.openxmlformats.org/drawingml/2006/diagram" xmlns:o="urn:schemas-microsoft-com:office:office" xmlns:v="urn:schemas-microsoft-com:vml" xmlns:pvml="urn:schemas-microsoft-com:office:powerpoint" xmlns:com="http://schemas.openxmlformats.org/drawingml/2006/compatibility" xmlns:p14="http://schemas.microsoft.com/office/powerpoint/2010/main" xmlns:p15="http://schemas.microsoft.com/office/powerpoint/2012/main" xmlns:ahyp="http://schemas.microsoft.com/office/drawing/2018/hyperlinkcolor">
   <p:cSld>
     <p:spTree>
       <p:nvGrpSpPr>
-        <p:cNvPr id="110" name="Shape 110"/>
+        <p:cNvPr id="108" name="Shape 108"/>
         <p:cNvGrpSpPr/>
         <p:nvPr/>
       </p:nvGrpSpPr>
@@ -16373,7 +18458,7 @@
       </p:grpSpPr>
       <p:grpSp>
         <p:nvGrpSpPr>
-          <p:cNvPr id="111" name="Google Shape;111;p2"/>
+          <p:cNvPr id="109" name="Google Shape;109;p2"/>
           <p:cNvGrpSpPr/>
           <p:nvPr/>
         </p:nvGrpSpPr>
@@ -16387,7 +18472,7 @@
         </p:grpSpPr>
         <p:pic>
           <p:nvPicPr>
-            <p:cNvPr id="112" name="Google Shape;112;p2"/>
+            <p:cNvPr id="110" name="Google Shape;110;p2"/>
             <p:cNvPicPr preferRelativeResize="0"/>
             <p:nvPr/>
           </p:nvPicPr>
@@ -16414,7 +18499,7 @@
         </p:pic>
         <p:pic>
           <p:nvPicPr>
-            <p:cNvPr id="113" name="Google Shape;113;p2"/>
+            <p:cNvPr id="111" name="Google Shape;111;p2"/>
             <p:cNvPicPr preferRelativeResize="0"/>
             <p:nvPr/>
           </p:nvPicPr>
@@ -16441,7 +18526,7 @@
         </p:pic>
         <p:pic>
           <p:nvPicPr>
-            <p:cNvPr id="114" name="Google Shape;114;p2"/>
+            <p:cNvPr id="112" name="Google Shape;112;p2"/>
             <p:cNvPicPr preferRelativeResize="0"/>
             <p:nvPr/>
           </p:nvPicPr>
@@ -16469,7 +18554,7 @@
       </p:grpSp>
       <p:sp>
         <p:nvSpPr>
-          <p:cNvPr id="115" name="Google Shape;115;p2"/>
+          <p:cNvPr id="113" name="Google Shape;113;p2"/>
           <p:cNvSpPr/>
           <p:nvPr/>
         </p:nvSpPr>
@@ -16549,7 +18634,7 @@
       </p:sp>
       <p:cxnSp>
         <p:nvCxnSpPr>
-          <p:cNvPr id="116" name="Google Shape;116;p2"/>
+          <p:cNvPr id="114" name="Google Shape;114;p2"/>
           <p:cNvCxnSpPr/>
           <p:nvPr/>
         </p:nvCxnSpPr>
@@ -16575,7 +18660,7 @@
       </p:cxnSp>
       <p:sp>
         <p:nvSpPr>
-          <p:cNvPr id="117" name="Google Shape;117;p2"/>
+          <p:cNvPr id="115" name="Google Shape;115;p2"/>
           <p:cNvSpPr/>
           <p:nvPr/>
         </p:nvSpPr>
@@ -16643,7 +18728,7 @@
       </p:sp>
       <p:pic>
         <p:nvPicPr>
-          <p:cNvPr id="118" name="Google Shape;118;p2"/>
+          <p:cNvPr id="116" name="Google Shape;116;p2"/>
           <p:cNvPicPr preferRelativeResize="0"/>
           <p:nvPr/>
         </p:nvPicPr>
@@ -16670,7 +18755,7 @@
       </p:pic>
       <p:sp>
         <p:nvSpPr>
-          <p:cNvPr id="119" name="Google Shape;119;p2"/>
+          <p:cNvPr id="117" name="Google Shape;117;p2"/>
           <p:cNvSpPr/>
           <p:nvPr/>
         </p:nvSpPr>
@@ -16734,7 +18819,7 @@
       </p:sp>
       <p:sp>
         <p:nvSpPr>
-          <p:cNvPr id="120" name="Google Shape;120;p2"/>
+          <p:cNvPr id="118" name="Google Shape;118;p2"/>
           <p:cNvSpPr/>
           <p:nvPr/>
         </p:nvSpPr>
@@ -16785,7 +18870,7 @@
       </p:sp>
       <p:sp>
         <p:nvSpPr>
-          <p:cNvPr id="121" name="Google Shape;121;p2"/>
+          <p:cNvPr id="119" name="Google Shape;119;p2"/>
           <p:cNvSpPr/>
           <p:nvPr/>
         </p:nvSpPr>
@@ -16843,7 +18928,7 @@
       </p:sp>
       <p:sp>
         <p:nvSpPr>
-          <p:cNvPr id="122" name="Google Shape;122;p2"/>
+          <p:cNvPr id="120" name="Google Shape;120;p2"/>
           <p:cNvSpPr/>
           <p:nvPr/>
         </p:nvSpPr>
@@ -17136,7 +19221,7 @@
       </p:sp>
       <p:pic>
         <p:nvPicPr>
-          <p:cNvPr id="123" name="Google Shape;123;p2"/>
+          <p:cNvPr id="121" name="Google Shape;121;p2"/>
           <p:cNvPicPr preferRelativeResize="0"/>
           <p:nvPr/>
         </p:nvPicPr>
@@ -17174,7 +19259,7 @@
   <p:cSld>
     <p:spTree>
       <p:nvGrpSpPr>
-        <p:cNvPr id="127" name="Shape 127"/>
+        <p:cNvPr id="125" name="Shape 125"/>
         <p:cNvGrpSpPr/>
         <p:nvPr/>
       </p:nvGrpSpPr>
@@ -17188,7 +19273,7 @@
       </p:grpSpPr>
       <p:cxnSp>
         <p:nvCxnSpPr>
-          <p:cNvPr id="128" name="Google Shape;128;p3"/>
+          <p:cNvPr id="126" name="Google Shape;126;p3"/>
           <p:cNvCxnSpPr/>
           <p:nvPr/>
         </p:nvCxnSpPr>
@@ -17214,7 +19299,7 @@
       </p:cxnSp>
       <p:cxnSp>
         <p:nvCxnSpPr>
-          <p:cNvPr id="129" name="Google Shape;129;p3"/>
+          <p:cNvPr id="127" name="Google Shape;127;p3"/>
           <p:cNvCxnSpPr/>
           <p:nvPr/>
         </p:nvCxnSpPr>
@@ -17240,7 +19325,7 @@
       </p:cxnSp>
       <p:grpSp>
         <p:nvGrpSpPr>
-          <p:cNvPr id="130" name="Google Shape;130;p3"/>
+          <p:cNvPr id="128" name="Google Shape;128;p3"/>
           <p:cNvGrpSpPr/>
           <p:nvPr/>
         </p:nvGrpSpPr>
@@ -17254,7 +19339,7 @@
         </p:grpSpPr>
         <p:sp>
           <p:nvSpPr>
-            <p:cNvPr id="131" name="Google Shape;131;p3"/>
+            <p:cNvPr id="129" name="Google Shape;129;p3"/>
             <p:cNvSpPr/>
             <p:nvPr/>
           </p:nvSpPr>
@@ -17327,7 +19412,7 @@
         </p:sp>
         <p:sp>
           <p:nvSpPr>
-            <p:cNvPr id="132" name="Google Shape;132;p3"/>
+            <p:cNvPr id="130" name="Google Shape;130;p3"/>
             <p:cNvSpPr/>
             <p:nvPr/>
           </p:nvSpPr>
@@ -17395,7 +19480,7 @@
         </p:sp>
         <p:sp>
           <p:nvSpPr>
-            <p:cNvPr id="133" name="Google Shape;133;p3"/>
+            <p:cNvPr id="131" name="Google Shape;131;p3"/>
             <p:cNvSpPr/>
             <p:nvPr/>
           </p:nvSpPr>
@@ -17466,7 +19551,7 @@
       </p:grpSp>
       <p:grpSp>
         <p:nvGrpSpPr>
-          <p:cNvPr id="134" name="Google Shape;134;p3"/>
+          <p:cNvPr id="132" name="Google Shape;132;p3"/>
           <p:cNvGrpSpPr/>
           <p:nvPr/>
         </p:nvGrpSpPr>
@@ -17480,7 +19565,7 @@
         </p:grpSpPr>
         <p:sp>
           <p:nvSpPr>
-            <p:cNvPr id="135" name="Google Shape;135;p3"/>
+            <p:cNvPr id="133" name="Google Shape;133;p3"/>
             <p:cNvSpPr/>
             <p:nvPr/>
           </p:nvSpPr>
@@ -17544,7 +19629,7 @@
         </p:sp>
         <p:sp>
           <p:nvSpPr>
-            <p:cNvPr id="136" name="Google Shape;136;p3"/>
+            <p:cNvPr id="134" name="Google Shape;134;p3"/>
             <p:cNvSpPr/>
             <p:nvPr/>
           </p:nvSpPr>
@@ -17595,7 +19680,7 @@
         </p:sp>
         <p:sp>
           <p:nvSpPr>
-            <p:cNvPr id="137" name="Google Shape;137;p3"/>
+            <p:cNvPr id="135" name="Google Shape;135;p3"/>
             <p:cNvSpPr/>
             <p:nvPr/>
           </p:nvSpPr>
@@ -17646,7 +19731,7 @@
       </p:grpSp>
       <p:sp>
         <p:nvSpPr>
-          <p:cNvPr id="138" name="Google Shape;138;p3"/>
+          <p:cNvPr id="136" name="Google Shape;136;p3"/>
           <p:cNvSpPr/>
           <p:nvPr/>
         </p:nvSpPr>
@@ -17728,7 +19813,7 @@
       </p:sp>
       <p:sp>
         <p:nvSpPr>
-          <p:cNvPr id="139" name="Google Shape;139;p3"/>
+          <p:cNvPr id="137" name="Google Shape;137;p3"/>
           <p:cNvSpPr/>
           <p:nvPr/>
         </p:nvSpPr>
@@ -17820,7 +19905,7 @@
       </p:sp>
       <p:sp>
         <p:nvSpPr>
-          <p:cNvPr id="140" name="Google Shape;140;p3"/>
+          <p:cNvPr id="138" name="Google Shape;138;p3"/>
           <p:cNvSpPr/>
           <p:nvPr/>
         </p:nvSpPr>
@@ -17910,7 +19995,7 @@
       </p:sp>
       <p:sp>
         <p:nvSpPr>
-          <p:cNvPr id="141" name="Google Shape;141;p3"/>
+          <p:cNvPr id="139" name="Google Shape;139;p3"/>
           <p:cNvSpPr/>
           <p:nvPr/>
         </p:nvSpPr>
@@ -17973,7 +20058,7 @@
       </p:sp>
       <p:sp>
         <p:nvSpPr>
-          <p:cNvPr id="142" name="Google Shape;142;p3"/>
+          <p:cNvPr id="140" name="Google Shape;140;p3"/>
           <p:cNvSpPr/>
           <p:nvPr/>
         </p:nvSpPr>
@@ -18050,7 +20135,7 @@
       </p:sp>
       <p:pic>
         <p:nvPicPr>
-          <p:cNvPr id="143" name="Google Shape;143;p3"/>
+          <p:cNvPr id="141" name="Google Shape;141;p3"/>
           <p:cNvPicPr preferRelativeResize="0"/>
           <p:nvPr/>
         </p:nvPicPr>
@@ -18077,7 +20162,7 @@
       </p:pic>
       <p:pic>
         <p:nvPicPr>
-          <p:cNvPr descr="KLWP Live Wallpaper Pro Key Pc - ダウンロード オン Windows 10, 8, 7 (2021 版)" id="144" name="Google Shape;144;p3"/>
+          <p:cNvPr descr="KLWP Live Wallpaper Pro Key Pc - ダウンロード オン Windows 10, 8, 7 (2021 版)" id="142" name="Google Shape;142;p3"/>
           <p:cNvPicPr preferRelativeResize="0"/>
           <p:nvPr/>
         </p:nvPicPr>
@@ -18104,7 +20189,7 @@
       </p:pic>
       <p:pic>
         <p:nvPicPr>
-          <p:cNvPr descr="Nova Launcher - Google Play 應用程式" id="145" name="Google Shape;145;p3"/>
+          <p:cNvPr descr="Nova Launcher - Google Play 應用程式" id="143" name="Google Shape;143;p3"/>
           <p:cNvPicPr preferRelativeResize="0"/>
           <p:nvPr/>
         </p:nvPicPr>
@@ -18149,7 +20234,7 @@
   <p:cSld>
     <p:spTree>
       <p:nvGrpSpPr>
-        <p:cNvPr id="149" name="Shape 149"/>
+        <p:cNvPr id="147" name="Shape 147"/>
         <p:cNvGrpSpPr/>
         <p:nvPr/>
       </p:nvGrpSpPr>
@@ -18163,7 +20248,7 @@
       </p:grpSpPr>
       <p:cxnSp>
         <p:nvCxnSpPr>
-          <p:cNvPr id="150" name="Google Shape;150;p4"/>
+          <p:cNvPr id="148" name="Google Shape;148;p4"/>
           <p:cNvCxnSpPr/>
           <p:nvPr/>
         </p:nvCxnSpPr>
@@ -18189,7 +20274,7 @@
       </p:cxnSp>
       <p:grpSp>
         <p:nvGrpSpPr>
-          <p:cNvPr id="151" name="Google Shape;151;p4"/>
+          <p:cNvPr id="149" name="Google Shape;149;p4"/>
           <p:cNvGrpSpPr/>
           <p:nvPr/>
         </p:nvGrpSpPr>
@@ -18203,7 +20288,7 @@
         </p:grpSpPr>
         <p:sp>
           <p:nvSpPr>
-            <p:cNvPr id="152" name="Google Shape;152;p4"/>
+            <p:cNvPr id="150" name="Google Shape;150;p4"/>
             <p:cNvSpPr/>
             <p:nvPr/>
           </p:nvSpPr>
@@ -18276,7 +20361,7 @@
         </p:sp>
         <p:sp>
           <p:nvSpPr>
-            <p:cNvPr id="153" name="Google Shape;153;p4"/>
+            <p:cNvPr id="151" name="Google Shape;151;p4"/>
             <p:cNvSpPr/>
             <p:nvPr/>
           </p:nvSpPr>
@@ -18344,7 +20429,7 @@
         </p:sp>
         <p:sp>
           <p:nvSpPr>
-            <p:cNvPr id="154" name="Google Shape;154;p4"/>
+            <p:cNvPr id="152" name="Google Shape;152;p4"/>
             <p:cNvSpPr/>
             <p:nvPr/>
           </p:nvSpPr>
@@ -18415,7 +20500,7 @@
       </p:grpSp>
       <p:sp>
         <p:nvSpPr>
-          <p:cNvPr id="155" name="Google Shape;155;p4"/>
+          <p:cNvPr id="153" name="Google Shape;153;p4"/>
           <p:cNvSpPr/>
           <p:nvPr/>
         </p:nvSpPr>
@@ -18505,7 +20590,7 @@
       </p:sp>
       <p:sp>
         <p:nvSpPr>
-          <p:cNvPr id="156" name="Google Shape;156;p4"/>
+          <p:cNvPr id="154" name="Google Shape;154;p4"/>
           <p:cNvSpPr/>
           <p:nvPr/>
         </p:nvSpPr>
@@ -18560,7 +20645,7 @@
       </p:sp>
       <p:sp>
         <p:nvSpPr>
-          <p:cNvPr id="157" name="Google Shape;157;p4"/>
+          <p:cNvPr id="155" name="Google Shape;155;p4"/>
           <p:cNvSpPr/>
           <p:nvPr/>
         </p:nvSpPr>
@@ -18637,7 +20722,7 @@
       </p:sp>
       <p:sp>
         <p:nvSpPr>
-          <p:cNvPr id="158" name="Google Shape;158;p4"/>
+          <p:cNvPr id="156" name="Google Shape;156;p4"/>
           <p:cNvSpPr/>
           <p:nvPr/>
         </p:nvSpPr>
@@ -18727,7 +20812,7 @@
       </p:sp>
       <p:sp>
         <p:nvSpPr>
-          <p:cNvPr id="159" name="Google Shape;159;p4"/>
+          <p:cNvPr id="157" name="Google Shape;157;p4"/>
           <p:cNvSpPr/>
           <p:nvPr/>
         </p:nvSpPr>
@@ -18856,7 +20941,7 @@
       </p:sp>
       <p:sp>
         <p:nvSpPr>
-          <p:cNvPr id="160" name="Google Shape;160;p4"/>
+          <p:cNvPr id="158" name="Google Shape;158;p4"/>
           <p:cNvSpPr/>
           <p:nvPr/>
         </p:nvSpPr>
@@ -18928,7 +21013,7 @@
       </p:sp>
       <p:pic>
         <p:nvPicPr>
-          <p:cNvPr id="161" name="Google Shape;161;p4"/>
+          <p:cNvPr id="159" name="Google Shape;159;p4"/>
           <p:cNvPicPr preferRelativeResize="0"/>
           <p:nvPr/>
         </p:nvPicPr>
@@ -18955,7 +21040,7 @@
       </p:pic>
       <p:sp>
         <p:nvSpPr>
-          <p:cNvPr id="162" name="Google Shape;162;p4"/>
+          <p:cNvPr id="160" name="Google Shape;160;p4"/>
           <p:cNvSpPr/>
           <p:nvPr/>
         </p:nvSpPr>
@@ -19005,7 +21090,7 @@
       </p:sp>
       <p:sp>
         <p:nvSpPr>
-          <p:cNvPr id="163" name="Google Shape;163;p4"/>
+          <p:cNvPr id="161" name="Google Shape;161;p4"/>
           <p:cNvSpPr/>
           <p:nvPr/>
         </p:nvSpPr>
@@ -19106,7 +21191,7 @@
       </p:sp>
       <p:pic>
         <p:nvPicPr>
-          <p:cNvPr descr="KWGT Kustom Widget Maker 3.39b911019 (nodpi) (Android 4.4+) APK Download by  Kustom Industries - APKMirror" id="164" name="Google Shape;164;p4"/>
+          <p:cNvPr descr="KWGT Kustom Widget Maker 3.39b911019 (nodpi) (Android 4.4+) APK Download by  Kustom Industries - APKMirror" id="162" name="Google Shape;162;p4"/>
           <p:cNvPicPr preferRelativeResize="0"/>
           <p:nvPr/>
         </p:nvPicPr>
@@ -19133,7 +21218,7 @@
       </p:pic>
       <p:pic>
         <p:nvPicPr>
-          <p:cNvPr descr="Free Es file explorer Icon of Flat style - Available in SVG, PNG, EPS, AI &amp;amp;  Icon fonts" id="165" name="Google Shape;165;p4"/>
+          <p:cNvPr descr="Free Es file explorer Icon of Flat style - Available in SVG, PNG, EPS, AI &amp;amp;  Icon fonts" id="163" name="Google Shape;163;p4"/>
           <p:cNvPicPr preferRelativeResize="0"/>
           <p:nvPr/>
         </p:nvPicPr>
@@ -19171,7 +21256,7 @@
   <p:cSld>
     <p:spTree>
       <p:nvGrpSpPr>
-        <p:cNvPr id="169" name="Shape 169"/>
+        <p:cNvPr id="167" name="Shape 167"/>
         <p:cNvGrpSpPr/>
         <p:nvPr/>
       </p:nvGrpSpPr>
@@ -19185,7 +21270,7 @@
       </p:grpSpPr>
       <p:cxnSp>
         <p:nvCxnSpPr>
-          <p:cNvPr id="170" name="Google Shape;170;p5"/>
+          <p:cNvPr id="168" name="Google Shape;168;p5"/>
           <p:cNvCxnSpPr/>
           <p:nvPr/>
         </p:nvCxnSpPr>
@@ -19211,7 +21296,7 @@
       </p:cxnSp>
       <p:cxnSp>
         <p:nvCxnSpPr>
-          <p:cNvPr id="171" name="Google Shape;171;p5"/>
+          <p:cNvPr id="169" name="Google Shape;169;p5"/>
           <p:cNvCxnSpPr/>
           <p:nvPr/>
         </p:nvCxnSpPr>
@@ -19237,7 +21322,7 @@
       </p:cxnSp>
       <p:cxnSp>
         <p:nvCxnSpPr>
-          <p:cNvPr id="172" name="Google Shape;172;p5"/>
+          <p:cNvPr id="170" name="Google Shape;170;p5"/>
           <p:cNvCxnSpPr/>
           <p:nvPr/>
         </p:nvCxnSpPr>
@@ -19263,7 +21348,7 @@
       </p:cxnSp>
       <p:sp>
         <p:nvSpPr>
-          <p:cNvPr id="173" name="Google Shape;173;p5"/>
+          <p:cNvPr id="171" name="Google Shape;171;p5"/>
           <p:cNvSpPr/>
           <p:nvPr/>
         </p:nvSpPr>
@@ -19334,7 +21419,7 @@
       </p:sp>
       <p:sp>
         <p:nvSpPr>
-          <p:cNvPr id="174" name="Google Shape;174;p5"/>
+          <p:cNvPr id="172" name="Google Shape;172;p5"/>
           <p:cNvSpPr/>
           <p:nvPr/>
         </p:nvSpPr>
@@ -19413,7 +21498,7 @@
       </p:sp>
       <p:pic>
         <p:nvPicPr>
-          <p:cNvPr id="175" name="Google Shape;175;p5"/>
+          <p:cNvPr id="173" name="Google Shape;173;p5"/>
           <p:cNvPicPr preferRelativeResize="0"/>
           <p:nvPr/>
         </p:nvPicPr>
@@ -19440,7 +21525,7 @@
       </p:pic>
       <p:sp>
         <p:nvSpPr>
-          <p:cNvPr id="176" name="Google Shape;176;p5"/>
+          <p:cNvPr id="174" name="Google Shape;174;p5"/>
           <p:cNvSpPr/>
           <p:nvPr/>
         </p:nvSpPr>
@@ -19495,7 +21580,7 @@
       </p:sp>
       <p:sp>
         <p:nvSpPr>
-          <p:cNvPr id="177" name="Google Shape;177;p5"/>
+          <p:cNvPr id="175" name="Google Shape;175;p5"/>
           <p:cNvSpPr/>
           <p:nvPr/>
         </p:nvSpPr>
@@ -19556,7 +21641,7 @@
       </p:sp>
       <p:sp>
         <p:nvSpPr>
-          <p:cNvPr id="178" name="Google Shape;178;p5"/>
+          <p:cNvPr id="176" name="Google Shape;176;p5"/>
           <p:cNvSpPr/>
           <p:nvPr/>
         </p:nvSpPr>
@@ -19611,7 +21696,7 @@
       </p:sp>
       <p:sp>
         <p:nvSpPr>
-          <p:cNvPr id="179" name="Google Shape;179;p5"/>
+          <p:cNvPr id="177" name="Google Shape;177;p5"/>
           <p:cNvSpPr/>
           <p:nvPr/>
         </p:nvSpPr>
@@ -19664,7 +21749,7 @@
       </p:sp>
       <p:sp>
         <p:nvSpPr>
-          <p:cNvPr id="180" name="Google Shape;180;p5"/>
+          <p:cNvPr id="178" name="Google Shape;178;p5"/>
           <p:cNvSpPr/>
           <p:nvPr/>
         </p:nvSpPr>
@@ -19725,7 +21810,7 @@
       </p:sp>
       <p:grpSp>
         <p:nvGrpSpPr>
-          <p:cNvPr id="181" name="Google Shape;181;p5"/>
+          <p:cNvPr id="179" name="Google Shape;179;p5"/>
           <p:cNvGrpSpPr/>
           <p:nvPr/>
         </p:nvGrpSpPr>
@@ -19739,7 +21824,7 @@
         </p:grpSpPr>
         <p:sp>
           <p:nvSpPr>
-            <p:cNvPr id="182" name="Google Shape;182;p5"/>
+            <p:cNvPr id="180" name="Google Shape;180;p5"/>
             <p:cNvSpPr/>
             <p:nvPr/>
           </p:nvSpPr>
@@ -19800,7 +21885,7 @@
         </p:sp>
         <p:sp>
           <p:nvSpPr>
-            <p:cNvPr id="183" name="Google Shape;183;p5"/>
+            <p:cNvPr id="181" name="Google Shape;181;p5"/>
             <p:cNvSpPr/>
             <p:nvPr/>
           </p:nvSpPr>
@@ -19851,7 +21936,7 @@
         </p:sp>
         <p:sp>
           <p:nvSpPr>
-            <p:cNvPr id="184" name="Google Shape;184;p5"/>
+            <p:cNvPr id="182" name="Google Shape;182;p5"/>
             <p:cNvSpPr/>
             <p:nvPr/>
           </p:nvSpPr>
@@ -19902,7 +21987,7 @@
       </p:grpSp>
       <p:sp>
         <p:nvSpPr>
-          <p:cNvPr id="185" name="Google Shape;185;p5"/>
+          <p:cNvPr id="183" name="Google Shape;183;p5"/>
           <p:cNvSpPr/>
           <p:nvPr/>
         </p:nvSpPr>
@@ -19962,7 +22047,7 @@
       </p:sp>
       <p:sp>
         <p:nvSpPr>
-          <p:cNvPr id="186" name="Google Shape;186;p5">
+          <p:cNvPr id="184" name="Google Shape;184;p5">
             <a:hlinkClick action="ppaction://hlinksldjump" r:id="rId4"/>
           </p:cNvPr>
           <p:cNvSpPr/>
@@ -20027,7 +22112,9 @@
       </p:sp>
       <p:sp>
         <p:nvSpPr>
-          <p:cNvPr id="187" name="Google Shape;187;p5"/>
+          <p:cNvPr id="185" name="Google Shape;185;p5">
+            <a:hlinkClick action="ppaction://hlinksldjump" r:id="rId5"/>
+          </p:cNvPr>
           <p:cNvSpPr/>
           <p:nvPr/>
         </p:nvSpPr>
@@ -20101,7 +22188,7 @@
   <p:cSld>
     <p:spTree>
       <p:nvGrpSpPr>
-        <p:cNvPr id="191" name="Shape 191"/>
+        <p:cNvPr id="189" name="Shape 189"/>
         <p:cNvGrpSpPr/>
         <p:nvPr/>
       </p:nvGrpSpPr>
@@ -20115,7 +22202,7 @@
       </p:grpSpPr>
       <p:cxnSp>
         <p:nvCxnSpPr>
-          <p:cNvPr id="192" name="Google Shape;192;p6"/>
+          <p:cNvPr id="190" name="Google Shape;190;p6"/>
           <p:cNvCxnSpPr/>
           <p:nvPr/>
         </p:nvCxnSpPr>
@@ -20141,7 +22228,7 @@
       </p:cxnSp>
       <p:sp>
         <p:nvSpPr>
-          <p:cNvPr id="193" name="Google Shape;193;p6"/>
+          <p:cNvPr id="191" name="Google Shape;191;p6"/>
           <p:cNvSpPr/>
           <p:nvPr/>
         </p:nvSpPr>
@@ -20209,7 +22296,7 @@
       </p:sp>
       <p:sp>
         <p:nvSpPr>
-          <p:cNvPr id="194" name="Google Shape;194;p6"/>
+          <p:cNvPr id="192" name="Google Shape;192;p6"/>
           <p:cNvSpPr/>
           <p:nvPr/>
         </p:nvSpPr>
@@ -20260,7 +22347,7 @@
       </p:sp>
       <p:sp>
         <p:nvSpPr>
-          <p:cNvPr id="195" name="Google Shape;195;p6"/>
+          <p:cNvPr id="193" name="Google Shape;193;p6"/>
           <p:cNvSpPr/>
           <p:nvPr/>
         </p:nvSpPr>
@@ -20311,7 +22398,7 @@
       </p:sp>
       <p:pic>
         <p:nvPicPr>
-          <p:cNvPr id="196" name="Google Shape;196;p6"/>
+          <p:cNvPr id="194" name="Google Shape;194;p6"/>
           <p:cNvPicPr preferRelativeResize="0"/>
           <p:nvPr/>
         </p:nvPicPr>
@@ -20338,7 +22425,7 @@
       </p:pic>
       <p:sp>
         <p:nvSpPr>
-          <p:cNvPr id="197" name="Google Shape;197;p6"/>
+          <p:cNvPr id="195" name="Google Shape;195;p6"/>
           <p:cNvSpPr/>
           <p:nvPr/>
         </p:nvSpPr>
@@ -20396,7 +22483,7 @@
       </p:sp>
       <p:sp>
         <p:nvSpPr>
-          <p:cNvPr id="198" name="Google Shape;198;p6"/>
+          <p:cNvPr id="196" name="Google Shape;196;p6"/>
           <p:cNvSpPr/>
           <p:nvPr/>
         </p:nvSpPr>
@@ -20454,7 +22541,7 @@
       </p:sp>
       <p:sp>
         <p:nvSpPr>
-          <p:cNvPr id="199" name="Google Shape;199;p6"/>
+          <p:cNvPr id="197" name="Google Shape;197;p6"/>
           <p:cNvSpPr/>
           <p:nvPr/>
         </p:nvSpPr>
@@ -20504,7 +22591,7 @@
       </p:sp>
       <p:sp>
         <p:nvSpPr>
-          <p:cNvPr id="200" name="Google Shape;200;p6"/>
+          <p:cNvPr id="198" name="Google Shape;198;p6"/>
           <p:cNvSpPr/>
           <p:nvPr/>
         </p:nvSpPr>
@@ -20762,7 +22849,7 @@
       </p:sp>
       <p:sp>
         <p:nvSpPr>
-          <p:cNvPr id="201" name="Google Shape;201;p6"/>
+          <p:cNvPr id="199" name="Google Shape;199;p6"/>
           <p:cNvSpPr/>
           <p:nvPr/>
         </p:nvSpPr>
@@ -20823,7 +22910,7 @@
       </p:sp>
       <p:grpSp>
         <p:nvGrpSpPr>
-          <p:cNvPr id="202" name="Google Shape;202;p6"/>
+          <p:cNvPr id="200" name="Google Shape;200;p6"/>
           <p:cNvGrpSpPr/>
           <p:nvPr/>
         </p:nvGrpSpPr>
@@ -20837,7 +22924,7 @@
         </p:grpSpPr>
         <p:sp>
           <p:nvSpPr>
-            <p:cNvPr id="203" name="Google Shape;203;p6"/>
+            <p:cNvPr id="201" name="Google Shape;201;p6"/>
             <p:cNvSpPr/>
             <p:nvPr/>
           </p:nvSpPr>
@@ -20898,7 +22985,7 @@
         </p:sp>
         <p:sp>
           <p:nvSpPr>
-            <p:cNvPr id="204" name="Google Shape;204;p6"/>
+            <p:cNvPr id="202" name="Google Shape;202;p6"/>
             <p:cNvSpPr/>
             <p:nvPr/>
           </p:nvSpPr>
@@ -20953,7 +23040,7 @@
         </p:sp>
         <p:sp>
           <p:nvSpPr>
-            <p:cNvPr id="205" name="Google Shape;205;p6"/>
+            <p:cNvPr id="203" name="Google Shape;203;p6"/>
             <p:cNvSpPr/>
             <p:nvPr/>
           </p:nvSpPr>
@@ -21007,7 +23094,7 @@
       </p:grpSp>
       <p:grpSp>
         <p:nvGrpSpPr>
-          <p:cNvPr id="206" name="Google Shape;206;p6"/>
+          <p:cNvPr id="204" name="Google Shape;204;p6"/>
           <p:cNvGrpSpPr/>
           <p:nvPr/>
         </p:nvGrpSpPr>
@@ -21021,7 +23108,7 @@
         </p:grpSpPr>
         <p:grpSp>
           <p:nvGrpSpPr>
-            <p:cNvPr id="207" name="Google Shape;207;p6"/>
+            <p:cNvPr id="205" name="Google Shape;205;p6"/>
             <p:cNvGrpSpPr/>
             <p:nvPr/>
           </p:nvGrpSpPr>
@@ -21035,7 +23122,7 @@
           </p:grpSpPr>
           <p:sp>
             <p:nvSpPr>
-              <p:cNvPr id="208" name="Google Shape;208;p6"/>
+              <p:cNvPr id="206" name="Google Shape;206;p6"/>
               <p:cNvSpPr/>
               <p:nvPr/>
             </p:nvSpPr>
@@ -21099,7 +23186,7 @@
           </p:sp>
           <p:sp>
             <p:nvSpPr>
-              <p:cNvPr id="209" name="Google Shape;209;p6"/>
+              <p:cNvPr id="207" name="Google Shape;207;p6"/>
               <p:cNvSpPr/>
               <p:nvPr/>
             </p:nvSpPr>
@@ -21150,7 +23237,7 @@
           </p:sp>
           <p:sp>
             <p:nvSpPr>
-              <p:cNvPr id="210" name="Google Shape;210;p6"/>
+              <p:cNvPr id="208" name="Google Shape;208;p6"/>
               <p:cNvSpPr/>
               <p:nvPr/>
             </p:nvSpPr>
@@ -21201,7 +23288,7 @@
         </p:grpSp>
         <p:sp>
           <p:nvSpPr>
-            <p:cNvPr id="211" name="Google Shape;211;p6"/>
+            <p:cNvPr id="209" name="Google Shape;209;p6"/>
             <p:cNvSpPr/>
             <p:nvPr/>
           </p:nvSpPr>
@@ -21266,7 +23353,7 @@
   <p:cSld>
     <p:spTree>
       <p:nvGrpSpPr>
-        <p:cNvPr id="215" name="Shape 215"/>
+        <p:cNvPr id="213" name="Shape 213"/>
         <p:cNvGrpSpPr/>
         <p:nvPr/>
       </p:nvGrpSpPr>
@@ -21280,7 +23367,7 @@
       </p:grpSpPr>
       <p:sp>
         <p:nvSpPr>
-          <p:cNvPr id="216" name="Google Shape;216;p7"/>
+          <p:cNvPr id="214" name="Google Shape;214;p7"/>
           <p:cNvSpPr/>
           <p:nvPr/>
         </p:nvSpPr>
@@ -21331,7 +23418,7 @@
       </p:sp>
       <p:pic>
         <p:nvPicPr>
-          <p:cNvPr id="217" name="Google Shape;217;p7"/>
+          <p:cNvPr id="215" name="Google Shape;215;p7"/>
           <p:cNvPicPr preferRelativeResize="0"/>
           <p:nvPr/>
         </p:nvPicPr>
@@ -21358,7 +23445,7 @@
       </p:pic>
       <p:sp>
         <p:nvSpPr>
-          <p:cNvPr id="218" name="Google Shape;218;p7"/>
+          <p:cNvPr id="216" name="Google Shape;216;p7"/>
           <p:cNvSpPr/>
           <p:nvPr/>
         </p:nvSpPr>
@@ -21426,7 +23513,7 @@
       </p:sp>
       <p:sp>
         <p:nvSpPr>
-          <p:cNvPr id="219" name="Google Shape;219;p7"/>
+          <p:cNvPr id="217" name="Google Shape;217;p7"/>
           <p:cNvSpPr/>
           <p:nvPr/>
         </p:nvSpPr>
@@ -21477,21 +23564,21 @@
       </p:sp>
       <p:grpSp>
         <p:nvGrpSpPr>
-          <p:cNvPr id="220" name="Google Shape;220;p7"/>
+          <p:cNvPr id="218" name="Google Shape;218;p7"/>
           <p:cNvGrpSpPr/>
           <p:nvPr/>
         </p:nvGrpSpPr>
         <p:grpSpPr>
           <a:xfrm>
             <a:off x="756743" y="1313293"/>
-            <a:ext cx="5436762" cy="4190067"/>
+            <a:ext cx="5855001" cy="4252243"/>
             <a:chOff x="-1753" y="0"/>
-            <a:chExt cx="5436360" cy="3773398"/>
+            <a:chExt cx="5854569" cy="3829391"/>
           </a:xfrm>
         </p:grpSpPr>
         <p:sp>
           <p:nvSpPr>
-            <p:cNvPr id="221" name="Google Shape;221;p7"/>
+            <p:cNvPr id="219" name="Google Shape;219;p7"/>
             <p:cNvSpPr/>
             <p:nvPr/>
           </p:nvSpPr>
@@ -21549,13 +23636,13 @@
         </p:sp>
         <p:sp>
           <p:nvSpPr>
-            <p:cNvPr id="222" name="Google Shape;222;p7"/>
+            <p:cNvPr id="220" name="Google Shape;220;p7"/>
             <p:cNvSpPr/>
             <p:nvPr/>
           </p:nvSpPr>
           <p:spPr>
             <a:xfrm>
-              <a:off x="4464707" y="2858998"/>
+              <a:off x="4882916" y="2914991"/>
               <a:ext cx="969900" cy="914400"/>
             </a:xfrm>
             <a:prstGeom prst="rect">
@@ -21607,7 +23694,7 @@
         </p:sp>
         <p:sp>
           <p:nvSpPr>
-            <p:cNvPr id="223" name="Google Shape;223;p7"/>
+            <p:cNvPr id="221" name="Google Shape;221;p7"/>
             <p:cNvSpPr/>
             <p:nvPr/>
           </p:nvSpPr>
@@ -21657,14 +23744,14 @@
         </p:sp>
         <p:sp>
           <p:nvSpPr>
-            <p:cNvPr id="224" name="Google Shape;224;p7"/>
+            <p:cNvPr id="222" name="Google Shape;222;p7"/>
             <p:cNvSpPr/>
             <p:nvPr/>
           </p:nvSpPr>
           <p:spPr>
             <a:xfrm>
               <a:off x="674511" y="1047444"/>
-              <a:ext cx="3790200" cy="1939800"/>
+              <a:ext cx="4208400" cy="1939800"/>
             </a:xfrm>
             <a:prstGeom prst="rect">
               <a:avLst/>
@@ -21753,7 +23840,7 @@
               </a:endParaRPr>
             </a:p>
             <a:p>
-              <a:pPr indent="-457200" lvl="0" marL="457200" marR="0" rtl="0" algn="l">
+              <a:pPr indent="-457200" lvl="0" marL="914400" marR="0" rtl="0" algn="l">
                 <a:spcBef>
                   <a:spcPts val="0"/>
                 </a:spcBef>
@@ -21790,7 +23877,7 @@
               </a:endParaRPr>
             </a:p>
             <a:p>
-              <a:pPr indent="-457200" lvl="0" marL="457200" marR="0" rtl="0" algn="l">
+              <a:pPr indent="-457200" lvl="0" marL="914400" marR="0" rtl="0" algn="l">
                 <a:spcBef>
                   <a:spcPts val="0"/>
                 </a:spcBef>
@@ -21876,7 +23963,7 @@
               </a:endParaRPr>
             </a:p>
             <a:p>
-              <a:pPr indent="-342900" lvl="0" marL="342900" marR="0" rtl="0" algn="l">
+              <a:pPr indent="-342900" lvl="0" marL="800100" marR="0" rtl="0" algn="l">
                 <a:spcBef>
                   <a:spcPts val="0"/>
                 </a:spcBef>
@@ -21921,7 +24008,7 @@
               </a:endParaRPr>
             </a:p>
             <a:p>
-              <a:pPr indent="-342900" lvl="0" marL="342900" marR="0" rtl="0" algn="l">
+              <a:pPr indent="-342900" lvl="0" marL="800100" marR="0" rtl="0" algn="l">
                 <a:spcBef>
                   <a:spcPts val="0"/>
                 </a:spcBef>
@@ -21976,13 +24063,13 @@
       </p:grpSp>
       <p:sp>
         <p:nvSpPr>
-          <p:cNvPr id="225" name="Google Shape;225;p7"/>
+          <p:cNvPr id="223" name="Google Shape;223;p7"/>
           <p:cNvSpPr/>
           <p:nvPr/>
         </p:nvSpPr>
         <p:spPr>
           <a:xfrm rot="-8562922">
-            <a:off x="5637721" y="4695302"/>
+            <a:off x="6222521" y="4938302"/>
             <a:ext cx="1011266" cy="968245"/>
           </a:xfrm>
           <a:prstGeom prst="triangle">
@@ -22037,7 +24124,7 @@
       </p:sp>
       <p:sp>
         <p:nvSpPr>
-          <p:cNvPr id="226" name="Google Shape;226;p7"/>
+          <p:cNvPr id="224" name="Google Shape;224;p7"/>
           <p:cNvSpPr/>
           <p:nvPr/>
         </p:nvSpPr>
@@ -22090,7 +24177,7 @@
       </p:sp>
       <p:cxnSp>
         <p:nvCxnSpPr>
-          <p:cNvPr id="227" name="Google Shape;227;p7"/>
+          <p:cNvPr id="225" name="Google Shape;225;p7"/>
           <p:cNvCxnSpPr/>
           <p:nvPr/>
         </p:nvCxnSpPr>
@@ -22116,7 +24203,7 @@
       </p:cxnSp>
       <p:cxnSp>
         <p:nvCxnSpPr>
-          <p:cNvPr id="228" name="Google Shape;228;p7"/>
+          <p:cNvPr id="226" name="Google Shape;226;p7"/>
           <p:cNvCxnSpPr/>
           <p:nvPr/>
         </p:nvCxnSpPr>
@@ -22153,7 +24240,7 @@
   <p:cSld>
     <p:spTree>
       <p:nvGrpSpPr>
-        <p:cNvPr id="232" name="Shape 232"/>
+        <p:cNvPr id="230" name="Shape 230"/>
         <p:cNvGrpSpPr/>
         <p:nvPr/>
       </p:nvGrpSpPr>
@@ -22167,7 +24254,7 @@
       </p:grpSpPr>
       <p:sp>
         <p:nvSpPr>
-          <p:cNvPr id="233" name="Google Shape;233;p8"/>
+          <p:cNvPr id="231" name="Google Shape;231;p8"/>
           <p:cNvSpPr/>
           <p:nvPr/>
         </p:nvSpPr>
@@ -22441,7 +24528,7 @@
       </p:sp>
       <p:cxnSp>
         <p:nvCxnSpPr>
-          <p:cNvPr id="234" name="Google Shape;234;p8"/>
+          <p:cNvPr id="232" name="Google Shape;232;p8"/>
           <p:cNvCxnSpPr/>
           <p:nvPr/>
         </p:nvCxnSpPr>
@@ -22467,7 +24554,7 @@
       </p:cxnSp>
       <p:sp>
         <p:nvSpPr>
-          <p:cNvPr id="235" name="Google Shape;235;p8"/>
+          <p:cNvPr id="233" name="Google Shape;233;p8"/>
           <p:cNvSpPr/>
           <p:nvPr/>
         </p:nvSpPr>
@@ -22520,7 +24607,7 @@
       </p:sp>
       <p:sp>
         <p:nvSpPr>
-          <p:cNvPr id="236" name="Google Shape;236;p8"/>
+          <p:cNvPr id="234" name="Google Shape;234;p8"/>
           <p:cNvSpPr/>
           <p:nvPr/>
         </p:nvSpPr>
@@ -22571,7 +24658,7 @@
       </p:sp>
       <p:pic>
         <p:nvPicPr>
-          <p:cNvPr id="237" name="Google Shape;237;p8"/>
+          <p:cNvPr id="235" name="Google Shape;235;p8"/>
           <p:cNvPicPr preferRelativeResize="0"/>
           <p:nvPr/>
         </p:nvPicPr>
@@ -22598,7 +24685,7 @@
       </p:pic>
       <p:sp>
         <p:nvSpPr>
-          <p:cNvPr id="238" name="Google Shape;238;p8"/>
+          <p:cNvPr id="236" name="Google Shape;236;p8"/>
           <p:cNvSpPr/>
           <p:nvPr/>
         </p:nvSpPr>
@@ -22666,7 +24753,7 @@
       </p:sp>
       <p:sp>
         <p:nvSpPr>
-          <p:cNvPr id="239" name="Google Shape;239;p8"/>
+          <p:cNvPr id="237" name="Google Shape;237;p8"/>
           <p:cNvSpPr/>
           <p:nvPr/>
         </p:nvSpPr>
@@ -22717,7 +24804,7 @@
       </p:sp>
       <p:grpSp>
         <p:nvGrpSpPr>
-          <p:cNvPr id="240" name="Google Shape;240;p8"/>
+          <p:cNvPr id="238" name="Google Shape;238;p8"/>
           <p:cNvGrpSpPr/>
           <p:nvPr/>
         </p:nvGrpSpPr>
@@ -22731,7 +24818,7 @@
         </p:grpSpPr>
         <p:sp>
           <p:nvSpPr>
-            <p:cNvPr id="241" name="Google Shape;241;p8"/>
+            <p:cNvPr id="239" name="Google Shape;239;p8"/>
             <p:cNvSpPr/>
             <p:nvPr/>
           </p:nvSpPr>
@@ -22789,7 +24876,7 @@
         </p:sp>
         <p:sp>
           <p:nvSpPr>
-            <p:cNvPr id="242" name="Google Shape;242;p8"/>
+            <p:cNvPr id="240" name="Google Shape;240;p8"/>
             <p:cNvSpPr/>
             <p:nvPr/>
           </p:nvSpPr>
@@ -22847,7 +24934,7 @@
         </p:sp>
         <p:sp>
           <p:nvSpPr>
-            <p:cNvPr id="243" name="Google Shape;243;p8"/>
+            <p:cNvPr id="241" name="Google Shape;241;p8"/>
             <p:cNvSpPr/>
             <p:nvPr/>
           </p:nvSpPr>
@@ -22897,7 +24984,7 @@
         </p:sp>
         <p:sp>
           <p:nvSpPr>
-            <p:cNvPr id="244" name="Google Shape;244;p8"/>
+            <p:cNvPr id="242" name="Google Shape;242;p8"/>
             <p:cNvSpPr/>
             <p:nvPr/>
           </p:nvSpPr>
@@ -23240,7 +25327,7 @@
       </p:grpSp>
       <p:sp>
         <p:nvSpPr>
-          <p:cNvPr id="245" name="Google Shape;245;p8"/>
+          <p:cNvPr id="243" name="Google Shape;243;p8"/>
           <p:cNvSpPr/>
           <p:nvPr/>
         </p:nvSpPr>
@@ -23312,7 +25399,7 @@
   <p:cSld>
     <p:spTree>
       <p:nvGrpSpPr>
-        <p:cNvPr id="249" name="Shape 249"/>
+        <p:cNvPr id="247" name="Shape 247"/>
         <p:cNvGrpSpPr/>
         <p:nvPr/>
       </p:nvGrpSpPr>
@@ -23326,7 +25413,7 @@
       </p:grpSpPr>
       <p:sp>
         <p:nvSpPr>
-          <p:cNvPr id="250" name="Google Shape;250;p9"/>
+          <p:cNvPr id="248" name="Google Shape;248;p9"/>
           <p:cNvSpPr/>
           <p:nvPr/>
         </p:nvSpPr>
@@ -23600,7 +25687,7 @@
       </p:sp>
       <p:cxnSp>
         <p:nvCxnSpPr>
-          <p:cNvPr id="251" name="Google Shape;251;p9"/>
+          <p:cNvPr id="249" name="Google Shape;249;p9"/>
           <p:cNvCxnSpPr/>
           <p:nvPr/>
         </p:nvCxnSpPr>
@@ -23626,7 +25713,7 @@
       </p:cxnSp>
       <p:sp>
         <p:nvSpPr>
-          <p:cNvPr id="252" name="Google Shape;252;p9"/>
+          <p:cNvPr id="250" name="Google Shape;250;p9"/>
           <p:cNvSpPr/>
           <p:nvPr/>
         </p:nvSpPr>
@@ -23679,7 +25766,7 @@
       </p:sp>
       <p:sp>
         <p:nvSpPr>
-          <p:cNvPr id="253" name="Google Shape;253;p9"/>
+          <p:cNvPr id="251" name="Google Shape;251;p9"/>
           <p:cNvSpPr/>
           <p:nvPr/>
         </p:nvSpPr>
@@ -23730,7 +25817,7 @@
       </p:sp>
       <p:sp>
         <p:nvSpPr>
-          <p:cNvPr id="254" name="Google Shape;254;p9"/>
+          <p:cNvPr id="252" name="Google Shape;252;p9"/>
           <p:cNvSpPr/>
           <p:nvPr/>
         </p:nvSpPr>
@@ -23798,7 +25885,7 @@
       </p:sp>
       <p:pic>
         <p:nvPicPr>
-          <p:cNvPr descr="手游&amp;lt;明日方舟&amp;gt; 高清png立绘" id="255" name="Google Shape;255;p9"/>
+          <p:cNvPr descr="手游&amp;lt;明日方舟&amp;gt; 高清png立绘" id="253" name="Google Shape;253;p9"/>
           <p:cNvPicPr preferRelativeResize="0"/>
           <p:nvPr/>
         </p:nvPicPr>
@@ -23825,7 +25912,7 @@
       </p:pic>
       <p:sp>
         <p:nvSpPr>
-          <p:cNvPr id="256" name="Google Shape;256;p9"/>
+          <p:cNvPr id="254" name="Google Shape;254;p9"/>
           <p:cNvSpPr/>
           <p:nvPr/>
         </p:nvSpPr>
@@ -23876,7 +25963,7 @@
       </p:sp>
       <p:grpSp>
         <p:nvGrpSpPr>
-          <p:cNvPr id="257" name="Google Shape;257;p9"/>
+          <p:cNvPr id="255" name="Google Shape;255;p9"/>
           <p:cNvGrpSpPr/>
           <p:nvPr/>
         </p:nvGrpSpPr>
@@ -23890,7 +25977,7 @@
         </p:grpSpPr>
         <p:sp>
           <p:nvSpPr>
-            <p:cNvPr id="258" name="Google Shape;258;p9"/>
+            <p:cNvPr id="256" name="Google Shape;256;p9"/>
             <p:cNvSpPr/>
             <p:nvPr/>
           </p:nvSpPr>
@@ -23948,7 +26035,7 @@
         </p:sp>
         <p:sp>
           <p:nvSpPr>
-            <p:cNvPr id="259" name="Google Shape;259;p9"/>
+            <p:cNvPr id="257" name="Google Shape;257;p9"/>
             <p:cNvSpPr/>
             <p:nvPr/>
           </p:nvSpPr>
@@ -24006,7 +26093,7 @@
         </p:sp>
         <p:sp>
           <p:nvSpPr>
-            <p:cNvPr id="260" name="Google Shape;260;p9"/>
+            <p:cNvPr id="258" name="Google Shape;258;p9"/>
             <p:cNvSpPr/>
             <p:nvPr/>
           </p:nvSpPr>
@@ -24056,7 +26143,7 @@
         </p:sp>
         <p:sp>
           <p:nvSpPr>
-            <p:cNvPr id="261" name="Google Shape;261;p9">
+            <p:cNvPr id="259" name="Google Shape;259;p9">
               <a:hlinkClick r:id="rId4"/>
             </p:cNvPr>
             <p:cNvSpPr/>
@@ -24117,7 +26204,7 @@
       </p:grpSp>
       <p:sp>
         <p:nvSpPr>
-          <p:cNvPr id="262" name="Google Shape;262;p9"/>
+          <p:cNvPr id="260" name="Google Shape;260;p9"/>
           <p:cNvSpPr/>
           <p:nvPr/>
         </p:nvSpPr>
@@ -24185,6 +26272,285 @@
 </file>
 
 <file path=ppt/theme/theme1.xml><?xml version="1.0" encoding="utf-8"?>
+<a:theme xmlns:a="http://schemas.openxmlformats.org/drawingml/2006/main" xmlns:r="http://schemas.openxmlformats.org/officeDocument/2006/relationships" name="Office 主题">
+  <a:themeElements>
+    <a:clrScheme name="Office">
+      <a:dk1>
+        <a:srgbClr val="000000"/>
+      </a:dk1>
+      <a:lt1>
+        <a:srgbClr val="FFFFFF"/>
+      </a:lt1>
+      <a:dk2>
+        <a:srgbClr val="44546A"/>
+      </a:dk2>
+      <a:lt2>
+        <a:srgbClr val="E7E6E6"/>
+      </a:lt2>
+      <a:accent1>
+        <a:srgbClr val="5B9BD5"/>
+      </a:accent1>
+      <a:accent2>
+        <a:srgbClr val="ED7D31"/>
+      </a:accent2>
+      <a:accent3>
+        <a:srgbClr val="A5A5A5"/>
+      </a:accent3>
+      <a:accent4>
+        <a:srgbClr val="FFC000"/>
+      </a:accent4>
+      <a:accent5>
+        <a:srgbClr val="4472C4"/>
+      </a:accent5>
+      <a:accent6>
+        <a:srgbClr val="70AD47"/>
+      </a:accent6>
+      <a:hlink>
+        <a:srgbClr val="0563C1"/>
+      </a:hlink>
+      <a:folHlink>
+        <a:srgbClr val="954F72"/>
+      </a:folHlink>
+    </a:clrScheme>
+    <a:fontScheme name="Office">
+      <a:majorFont>
+        <a:latin typeface="Arial"/>
+        <a:ea typeface=""/>
+        <a:cs typeface=""/>
+        <a:font script="Jpan" typeface="ＭＳ Ｐゴシック"/>
+        <a:font script="Hang" typeface="맑은 고딕"/>
+        <a:font script="Hans" typeface="宋体"/>
+        <a:font script="Hant" typeface="新細明體"/>
+        <a:font script="Arab" typeface="Times New Roman"/>
+        <a:font script="Hebr" typeface="Times New Roman"/>
+        <a:font script="Thai" typeface="Angsana New"/>
+        <a:font script="Ethi" typeface="Nyala"/>
+        <a:font script="Beng" typeface="Vrinda"/>
+        <a:font script="Gujr" typeface="Shruti"/>
+        <a:font script="Khmr" typeface="MoolBoran"/>
+        <a:font script="Knda" typeface="Tunga"/>
+        <a:font script="Guru" typeface="Raavi"/>
+        <a:font script="Cans" typeface="Euphemia"/>
+        <a:font script="Cher" typeface="Plantagenet Cherokee"/>
+        <a:font script="Yiii" typeface="Microsoft Yi Baiti"/>
+        <a:font script="Tibt" typeface="Microsoft Himalaya"/>
+        <a:font script="Thaa" typeface="MV Boli"/>
+        <a:font script="Deva" typeface="Mangal"/>
+        <a:font script="Telu" typeface="Gautami"/>
+        <a:font script="Taml" typeface="Latha"/>
+        <a:font script="Syrc" typeface="Estrangelo Edessa"/>
+        <a:font script="Orya" typeface="Kalinga"/>
+        <a:font script="Mlym" typeface="Kartika"/>
+        <a:font script="Laoo" typeface="DokChampa"/>
+        <a:font script="Sinh" typeface="Iskoola Pota"/>
+        <a:font script="Mong" typeface="Mongolian Baiti"/>
+        <a:font script="Viet" typeface="Times New Roman"/>
+        <a:font script="Uigh" typeface="Microsoft Uighur"/>
+        <a:font script="Geor" typeface="Sylfaen"/>
+      </a:majorFont>
+      <a:minorFont>
+        <a:latin typeface="Arial"/>
+        <a:ea typeface=""/>
+        <a:cs typeface=""/>
+        <a:font script="Jpan" typeface="ＭＳ Ｐゴシック"/>
+        <a:font script="Hang" typeface="맑은 고딕"/>
+        <a:font script="Hans" typeface="宋体"/>
+        <a:font script="Hant" typeface="新細明體"/>
+        <a:font script="Arab" typeface="Arial"/>
+        <a:font script="Hebr" typeface="Arial"/>
+        <a:font script="Thai" typeface="Cordia New"/>
+        <a:font script="Ethi" typeface="Nyala"/>
+        <a:font script="Beng" typeface="Vrinda"/>
+        <a:font script="Gujr" typeface="Shruti"/>
+        <a:font script="Khmr" typeface="DaunPenh"/>
+        <a:font script="Knda" typeface="Tunga"/>
+        <a:font script="Guru" typeface="Raavi"/>
+        <a:font script="Cans" typeface="Euphemia"/>
+        <a:font script="Cher" typeface="Plantagenet Cherokee"/>
+        <a:font script="Yiii" typeface="Microsoft Yi Baiti"/>
+        <a:font script="Tibt" typeface="Microsoft Himalaya"/>
+        <a:font script="Thaa" typeface="MV Boli"/>
+        <a:font script="Deva" typeface="Mangal"/>
+        <a:font script="Telu" typeface="Gautami"/>
+        <a:font script="Taml" typeface="Latha"/>
+        <a:font script="Syrc" typeface="Estrangelo Edessa"/>
+        <a:font script="Orya" typeface="Kalinga"/>
+        <a:font script="Mlym" typeface="Kartika"/>
+        <a:font script="Laoo" typeface="DokChampa"/>
+        <a:font script="Sinh" typeface="Iskoola Pota"/>
+        <a:font script="Mong" typeface="Mongolian Baiti"/>
+        <a:font script="Viet" typeface="Arial"/>
+        <a:font script="Uigh" typeface="Microsoft Uighur"/>
+        <a:font script="Geor" typeface="Sylfaen"/>
+      </a:minorFont>
+    </a:fontScheme>
+    <a:fmtScheme name="Office">
+      <a:fillStyleLst>
+        <a:solidFill>
+          <a:schemeClr val="phClr"/>
+        </a:solidFill>
+        <a:gradFill rotWithShape="1">
+          <a:gsLst>
+            <a:gs pos="0">
+              <a:schemeClr val="phClr">
+                <a:tint val="50000"/>
+                <a:satMod val="300000"/>
+              </a:schemeClr>
+            </a:gs>
+            <a:gs pos="35000">
+              <a:schemeClr val="phClr">
+                <a:tint val="37000"/>
+                <a:satMod val="300000"/>
+              </a:schemeClr>
+            </a:gs>
+            <a:gs pos="100000">
+              <a:schemeClr val="phClr">
+                <a:tint val="15000"/>
+                <a:satMod val="350000"/>
+              </a:schemeClr>
+            </a:gs>
+          </a:gsLst>
+          <a:lin ang="16200000" scaled="1"/>
+        </a:gradFill>
+        <a:gradFill rotWithShape="1">
+          <a:gsLst>
+            <a:gs pos="0">
+              <a:schemeClr val="phClr">
+                <a:tint val="100000"/>
+                <a:shade val="100000"/>
+                <a:satMod val="130000"/>
+              </a:schemeClr>
+            </a:gs>
+            <a:gs pos="100000">
+              <a:schemeClr val="phClr">
+                <a:tint val="50000"/>
+                <a:shade val="100000"/>
+                <a:satMod val="350000"/>
+              </a:schemeClr>
+            </a:gs>
+          </a:gsLst>
+          <a:lin ang="16200000" scaled="0"/>
+        </a:gradFill>
+      </a:fillStyleLst>
+      <a:lnStyleLst>
+        <a:ln w="9525" cap="flat" cmpd="sng" algn="ctr">
+          <a:solidFill>
+            <a:schemeClr val="phClr">
+              <a:shade val="95000"/>
+              <a:satMod val="105000"/>
+            </a:schemeClr>
+          </a:solidFill>
+          <a:prstDash val="solid"/>
+        </a:ln>
+        <a:ln w="25400" cap="flat" cmpd="sng" algn="ctr">
+          <a:solidFill>
+            <a:schemeClr val="phClr"/>
+          </a:solidFill>
+          <a:prstDash val="solid"/>
+        </a:ln>
+        <a:ln w="38100" cap="flat" cmpd="sng" algn="ctr">
+          <a:solidFill>
+            <a:schemeClr val="phClr"/>
+          </a:solidFill>
+          <a:prstDash val="solid"/>
+        </a:ln>
+      </a:lnStyleLst>
+      <a:effectStyleLst>
+        <a:effectStyle>
+          <a:effectLst>
+            <a:outerShdw blurRad="40000" dist="20000" dir="5400000" rotWithShape="0">
+              <a:srgbClr val="000000">
+                <a:alpha val="38000"/>
+              </a:srgbClr>
+            </a:outerShdw>
+          </a:effectLst>
+        </a:effectStyle>
+        <a:effectStyle>
+          <a:effectLst>
+            <a:outerShdw blurRad="40000" dist="23000" dir="5400000" rotWithShape="0">
+              <a:srgbClr val="000000">
+                <a:alpha val="35000"/>
+              </a:srgbClr>
+            </a:outerShdw>
+          </a:effectLst>
+        </a:effectStyle>
+        <a:effectStyle>
+          <a:effectLst>
+            <a:outerShdw blurRad="40000" dist="23000" dir="5400000" rotWithShape="0">
+              <a:srgbClr val="000000">
+                <a:alpha val="35000"/>
+              </a:srgbClr>
+            </a:outerShdw>
+          </a:effectLst>
+          <a:scene3d>
+            <a:camera prst="orthographicFront">
+              <a:rot lat="0" lon="0" rev="0"/>
+            </a:camera>
+            <a:lightRig rig="threePt" dir="t">
+              <a:rot lat="0" lon="0" rev="1200000"/>
+            </a:lightRig>
+          </a:scene3d>
+          <a:sp3d>
+            <a:bevelT w="63500" h="25400"/>
+          </a:sp3d>
+        </a:effectStyle>
+      </a:effectStyleLst>
+      <a:bgFillStyleLst>
+        <a:solidFill>
+          <a:schemeClr val="phClr"/>
+        </a:solidFill>
+        <a:gradFill rotWithShape="1">
+          <a:gsLst>
+            <a:gs pos="0">
+              <a:schemeClr val="phClr">
+                <a:tint val="40000"/>
+                <a:satMod val="350000"/>
+              </a:schemeClr>
+            </a:gs>
+            <a:gs pos="40000">
+              <a:schemeClr val="phClr">
+                <a:tint val="45000"/>
+                <a:shade val="99000"/>
+                <a:satMod val="350000"/>
+              </a:schemeClr>
+            </a:gs>
+            <a:gs pos="100000">
+              <a:schemeClr val="phClr">
+                <a:shade val="20000"/>
+                <a:satMod val="255000"/>
+              </a:schemeClr>
+            </a:gs>
+          </a:gsLst>
+          <a:path path="circle">
+            <a:fillToRect l="50000" t="-80000" r="50000" b="180000"/>
+          </a:path>
+        </a:gradFill>
+        <a:gradFill rotWithShape="1">
+          <a:gsLst>
+            <a:gs pos="0">
+              <a:schemeClr val="phClr">
+                <a:tint val="80000"/>
+                <a:satMod val="300000"/>
+              </a:schemeClr>
+            </a:gs>
+            <a:gs pos="100000">
+              <a:schemeClr val="phClr">
+                <a:shade val="30000"/>
+                <a:satMod val="200000"/>
+              </a:schemeClr>
+            </a:gs>
+          </a:gsLst>
+          <a:path path="circle">
+            <a:fillToRect l="50000" t="50000" r="50000" b="50000"/>
+          </a:path>
+        </a:gradFill>
+      </a:bgFillStyleLst>
+    </a:fmtScheme>
+  </a:themeElements>
+</a:theme>
+</file>
+
+<file path=ppt/theme/theme2.xml><?xml version="1.0" encoding="utf-8"?>
 <a:theme xmlns:a="http://schemas.openxmlformats.org/drawingml/2006/main" xmlns:r="http://schemas.openxmlformats.org/officeDocument/2006/relationships" name="第一PPT，www.1ppt.com">
   <a:themeElements>
     <a:clrScheme name="">
@@ -24461,283 +26827,4 @@
     </a:fmtScheme>
   </a:themeElements>
 </a:theme>
-</file>
-
-<file path=ppt/theme/theme2.xml><?xml version="1.0" encoding="utf-8"?>
-<a:theme xmlns:a="http://schemas.openxmlformats.org/drawingml/2006/main" xmlns:r="http://schemas.openxmlformats.org/officeDocument/2006/relationships" name="Office 主题">
-  <a:themeElements>
-    <a:clrScheme name="Office">
-      <a:dk1>
-        <a:srgbClr val="000000"/>
-      </a:dk1>
-      <a:lt1>
-        <a:srgbClr val="FFFFFF"/>
-      </a:lt1>
-      <a:dk2>
-        <a:srgbClr val="44546A"/>
-      </a:dk2>
-      <a:lt2>
-        <a:srgbClr val="E7E6E6"/>
-      </a:lt2>
-      <a:accent1>
-        <a:srgbClr val="5B9BD5"/>
-      </a:accent1>
-      <a:accent2>
-        <a:srgbClr val="ED7D31"/>
-      </a:accent2>
-      <a:accent3>
-        <a:srgbClr val="A5A5A5"/>
-      </a:accent3>
-      <a:accent4>
-        <a:srgbClr val="FFC000"/>
-      </a:accent4>
-      <a:accent5>
-        <a:srgbClr val="4472C4"/>
-      </a:accent5>
-      <a:accent6>
-        <a:srgbClr val="70AD47"/>
-      </a:accent6>
-      <a:hlink>
-        <a:srgbClr val="0563C1"/>
-      </a:hlink>
-      <a:folHlink>
-        <a:srgbClr val="954F72"/>
-      </a:folHlink>
-    </a:clrScheme>
-    <a:fontScheme name="Office">
-      <a:majorFont>
-        <a:latin typeface="Arial"/>
-        <a:ea typeface=""/>
-        <a:cs typeface=""/>
-        <a:font script="Jpan" typeface="ＭＳ Ｐゴシック"/>
-        <a:font script="Hang" typeface="맑은 고딕"/>
-        <a:font script="Hans" typeface="宋体"/>
-        <a:font script="Hant" typeface="新細明體"/>
-        <a:font script="Arab" typeface="Times New Roman"/>
-        <a:font script="Hebr" typeface="Times New Roman"/>
-        <a:font script="Thai" typeface="Angsana New"/>
-        <a:font script="Ethi" typeface="Nyala"/>
-        <a:font script="Beng" typeface="Vrinda"/>
-        <a:font script="Gujr" typeface="Shruti"/>
-        <a:font script="Khmr" typeface="MoolBoran"/>
-        <a:font script="Knda" typeface="Tunga"/>
-        <a:font script="Guru" typeface="Raavi"/>
-        <a:font script="Cans" typeface="Euphemia"/>
-        <a:font script="Cher" typeface="Plantagenet Cherokee"/>
-        <a:font script="Yiii" typeface="Microsoft Yi Baiti"/>
-        <a:font script="Tibt" typeface="Microsoft Himalaya"/>
-        <a:font script="Thaa" typeface="MV Boli"/>
-        <a:font script="Deva" typeface="Mangal"/>
-        <a:font script="Telu" typeface="Gautami"/>
-        <a:font script="Taml" typeface="Latha"/>
-        <a:font script="Syrc" typeface="Estrangelo Edessa"/>
-        <a:font script="Orya" typeface="Kalinga"/>
-        <a:font script="Mlym" typeface="Kartika"/>
-        <a:font script="Laoo" typeface="DokChampa"/>
-        <a:font script="Sinh" typeface="Iskoola Pota"/>
-        <a:font script="Mong" typeface="Mongolian Baiti"/>
-        <a:font script="Viet" typeface="Times New Roman"/>
-        <a:font script="Uigh" typeface="Microsoft Uighur"/>
-        <a:font script="Geor" typeface="Sylfaen"/>
-      </a:majorFont>
-      <a:minorFont>
-        <a:latin typeface="Arial"/>
-        <a:ea typeface=""/>
-        <a:cs typeface=""/>
-        <a:font script="Jpan" typeface="ＭＳ Ｐゴシック"/>
-        <a:font script="Hang" typeface="맑은 고딕"/>
-        <a:font script="Hans" typeface="宋体"/>
-        <a:font script="Hant" typeface="新細明體"/>
-        <a:font script="Arab" typeface="Arial"/>
-        <a:font script="Hebr" typeface="Arial"/>
-        <a:font script="Thai" typeface="Cordia New"/>
-        <a:font script="Ethi" typeface="Nyala"/>
-        <a:font script="Beng" typeface="Vrinda"/>
-        <a:font script="Gujr" typeface="Shruti"/>
-        <a:font script="Khmr" typeface="DaunPenh"/>
-        <a:font script="Knda" typeface="Tunga"/>
-        <a:font script="Guru" typeface="Raavi"/>
-        <a:font script="Cans" typeface="Euphemia"/>
-        <a:font script="Cher" typeface="Plantagenet Cherokee"/>
-        <a:font script="Yiii" typeface="Microsoft Yi Baiti"/>
-        <a:font script="Tibt" typeface="Microsoft Himalaya"/>
-        <a:font script="Thaa" typeface="MV Boli"/>
-        <a:font script="Deva" typeface="Mangal"/>
-        <a:font script="Telu" typeface="Gautami"/>
-        <a:font script="Taml" typeface="Latha"/>
-        <a:font script="Syrc" typeface="Estrangelo Edessa"/>
-        <a:font script="Orya" typeface="Kalinga"/>
-        <a:font script="Mlym" typeface="Kartika"/>
-        <a:font script="Laoo" typeface="DokChampa"/>
-        <a:font script="Sinh" typeface="Iskoola Pota"/>
-        <a:font script="Mong" typeface="Mongolian Baiti"/>
-        <a:font script="Viet" typeface="Arial"/>
-        <a:font script="Uigh" typeface="Microsoft Uighur"/>
-        <a:font script="Geor" typeface="Sylfaen"/>
-      </a:minorFont>
-    </a:fontScheme>
-    <a:fmtScheme name="Office">
-      <a:fillStyleLst>
-        <a:solidFill>
-          <a:schemeClr val="phClr"/>
-        </a:solidFill>
-        <a:gradFill rotWithShape="1">
-          <a:gsLst>
-            <a:gs pos="0">
-              <a:schemeClr val="phClr">
-                <a:tint val="50000"/>
-                <a:satMod val="300000"/>
-              </a:schemeClr>
-            </a:gs>
-            <a:gs pos="35000">
-              <a:schemeClr val="phClr">
-                <a:tint val="37000"/>
-                <a:satMod val="300000"/>
-              </a:schemeClr>
-            </a:gs>
-            <a:gs pos="100000">
-              <a:schemeClr val="phClr">
-                <a:tint val="15000"/>
-                <a:satMod val="350000"/>
-              </a:schemeClr>
-            </a:gs>
-          </a:gsLst>
-          <a:lin ang="16200000" scaled="1"/>
-        </a:gradFill>
-        <a:gradFill rotWithShape="1">
-          <a:gsLst>
-            <a:gs pos="0">
-              <a:schemeClr val="phClr">
-                <a:tint val="100000"/>
-                <a:shade val="100000"/>
-                <a:satMod val="130000"/>
-              </a:schemeClr>
-            </a:gs>
-            <a:gs pos="100000">
-              <a:schemeClr val="phClr">
-                <a:tint val="50000"/>
-                <a:shade val="100000"/>
-                <a:satMod val="350000"/>
-              </a:schemeClr>
-            </a:gs>
-          </a:gsLst>
-          <a:lin ang="16200000" scaled="0"/>
-        </a:gradFill>
-      </a:fillStyleLst>
-      <a:lnStyleLst>
-        <a:ln w="9525" cap="flat" cmpd="sng" algn="ctr">
-          <a:solidFill>
-            <a:schemeClr val="phClr">
-              <a:shade val="95000"/>
-              <a:satMod val="105000"/>
-            </a:schemeClr>
-          </a:solidFill>
-          <a:prstDash val="solid"/>
-        </a:ln>
-        <a:ln w="25400" cap="flat" cmpd="sng" algn="ctr">
-          <a:solidFill>
-            <a:schemeClr val="phClr"/>
-          </a:solidFill>
-          <a:prstDash val="solid"/>
-        </a:ln>
-        <a:ln w="38100" cap="flat" cmpd="sng" algn="ctr">
-          <a:solidFill>
-            <a:schemeClr val="phClr"/>
-          </a:solidFill>
-          <a:prstDash val="solid"/>
-        </a:ln>
-      </a:lnStyleLst>
-      <a:effectStyleLst>
-        <a:effectStyle>
-          <a:effectLst>
-            <a:outerShdw blurRad="40000" dist="20000" dir="5400000" rotWithShape="0">
-              <a:srgbClr val="000000">
-                <a:alpha val="38000"/>
-              </a:srgbClr>
-            </a:outerShdw>
-          </a:effectLst>
-        </a:effectStyle>
-        <a:effectStyle>
-          <a:effectLst>
-            <a:outerShdw blurRad="40000" dist="23000" dir="5400000" rotWithShape="0">
-              <a:srgbClr val="000000">
-                <a:alpha val="35000"/>
-              </a:srgbClr>
-            </a:outerShdw>
-          </a:effectLst>
-        </a:effectStyle>
-        <a:effectStyle>
-          <a:effectLst>
-            <a:outerShdw blurRad="40000" dist="23000" dir="5400000" rotWithShape="0">
-              <a:srgbClr val="000000">
-                <a:alpha val="35000"/>
-              </a:srgbClr>
-            </a:outerShdw>
-          </a:effectLst>
-          <a:scene3d>
-            <a:camera prst="orthographicFront">
-              <a:rot lat="0" lon="0" rev="0"/>
-            </a:camera>
-            <a:lightRig rig="threePt" dir="t">
-              <a:rot lat="0" lon="0" rev="1200000"/>
-            </a:lightRig>
-          </a:scene3d>
-          <a:sp3d>
-            <a:bevelT w="63500" h="25400"/>
-          </a:sp3d>
-        </a:effectStyle>
-      </a:effectStyleLst>
-      <a:bgFillStyleLst>
-        <a:solidFill>
-          <a:schemeClr val="phClr"/>
-        </a:solidFill>
-        <a:gradFill rotWithShape="1">
-          <a:gsLst>
-            <a:gs pos="0">
-              <a:schemeClr val="phClr">
-                <a:tint val="40000"/>
-                <a:satMod val="350000"/>
-              </a:schemeClr>
-            </a:gs>
-            <a:gs pos="40000">
-              <a:schemeClr val="phClr">
-                <a:tint val="45000"/>
-                <a:shade val="99000"/>
-                <a:satMod val="350000"/>
-              </a:schemeClr>
-            </a:gs>
-            <a:gs pos="100000">
-              <a:schemeClr val="phClr">
-                <a:shade val="20000"/>
-                <a:satMod val="255000"/>
-              </a:schemeClr>
-            </a:gs>
-          </a:gsLst>
-          <a:path path="circle">
-            <a:fillToRect l="50000" t="-80000" r="50000" b="180000"/>
-          </a:path>
-        </a:gradFill>
-        <a:gradFill rotWithShape="1">
-          <a:gsLst>
-            <a:gs pos="0">
-              <a:schemeClr val="phClr">
-                <a:tint val="80000"/>
-                <a:satMod val="300000"/>
-              </a:schemeClr>
-            </a:gs>
-            <a:gs pos="100000">
-              <a:schemeClr val="phClr">
-                <a:shade val="30000"/>
-                <a:satMod val="200000"/>
-              </a:schemeClr>
-            </a:gs>
-          </a:gsLst>
-          <a:path path="circle">
-            <a:fillToRect l="50000" t="50000" r="50000" b="50000"/>
-          </a:path>
-        </a:gradFill>
-      </a:bgFillStyleLst>
-    </a:fmtScheme>
-  </a:themeElements>
-</a:theme>
 </file>